--- a/results/tex/img/SK_arch.pptx
+++ b/results/tex/img/SK_arch.pptx
@@ -4126,6 +4126,11 @@
           <a:prstGeom prst="ellipse">
             <a:avLst/>
           </a:prstGeom>
+          <a:solidFill>
+            <a:schemeClr val="bg2">
+              <a:lumMod val="50000"/>
+            </a:schemeClr>
+          </a:solidFill>
           <a:ln w="28575"/>
         </p:spPr>
         <p:style>
@@ -4321,6 +4326,11 @@
           <a:prstGeom prst="ellipse">
             <a:avLst/>
           </a:prstGeom>
+          <a:solidFill>
+            <a:schemeClr val="bg2">
+              <a:lumMod val="50000"/>
+            </a:schemeClr>
+          </a:solidFill>
           <a:ln w="28575"/>
         </p:spPr>
         <p:style>
@@ -4516,6 +4526,11 @@
           <a:prstGeom prst="ellipse">
             <a:avLst/>
           </a:prstGeom>
+          <a:solidFill>
+            <a:schemeClr val="bg2">
+              <a:lumMod val="50000"/>
+            </a:schemeClr>
+          </a:solidFill>
           <a:ln w="28575"/>
         </p:spPr>
         <p:style>
@@ -4711,6 +4726,11 @@
           <a:prstGeom prst="ellipse">
             <a:avLst/>
           </a:prstGeom>
+          <a:solidFill>
+            <a:schemeClr val="bg2">
+              <a:lumMod val="50000"/>
+            </a:schemeClr>
+          </a:solidFill>
           <a:ln w="28575"/>
         </p:spPr>
         <p:style>
@@ -4906,6 +4926,11 @@
           <a:prstGeom prst="ellipse">
             <a:avLst/>
           </a:prstGeom>
+          <a:solidFill>
+            <a:schemeClr val="bg2">
+              <a:lumMod val="50000"/>
+            </a:schemeClr>
+          </a:solidFill>
           <a:ln w="28575"/>
         </p:spPr>
         <p:style>
@@ -4991,14 +5016,15 @@
           </p:cNvPr>
           <p:cNvCxnSpPr>
             <a:cxnSpLocks/>
+            <a:stCxn id="89" idx="3"/>
             <a:endCxn id="46" idx="1"/>
           </p:cNvCxnSpPr>
           <p:nvPr/>
         </p:nvCxnSpPr>
         <p:spPr>
           <a:xfrm>
-            <a:off x="4118906" y="5181686"/>
-            <a:ext cx="393046" cy="273640"/>
+            <a:off x="4049788" y="5075838"/>
+            <a:ext cx="462164" cy="379488"/>
           </a:xfrm>
           <a:prstGeom prst="line">
             <a:avLst/>
@@ -5100,6 +5126,11 @@
           <a:prstGeom prst="ellipse">
             <a:avLst/>
           </a:prstGeom>
+          <a:solidFill>
+            <a:schemeClr val="bg2">
+              <a:lumMod val="50000"/>
+            </a:schemeClr>
+          </a:solidFill>
           <a:ln w="28575"/>
         </p:spPr>
         <p:style>
@@ -5188,10 +5219,10 @@
         </p:nvGrpSpPr>
         <p:grpSpPr>
           <a:xfrm>
-            <a:off x="5819386" y="1970689"/>
-            <a:ext cx="1162883" cy="3745544"/>
-            <a:chOff x="8227552" y="3760199"/>
-            <a:chExt cx="571537" cy="1818895"/>
+            <a:off x="5819381" y="1970689"/>
+            <a:ext cx="1039582" cy="3745544"/>
+            <a:chOff x="8259945" y="3760199"/>
+            <a:chExt cx="510937" cy="1818895"/>
           </a:xfrm>
           <a:noFill/>
         </p:grpSpPr>
@@ -5274,8 +5305,8 @@
           </p:nvCxnSpPr>
           <p:spPr>
             <a:xfrm flipH="1" flipV="1">
-              <a:off x="8229081" y="3886779"/>
-              <a:ext cx="156219" cy="539"/>
+              <a:off x="8261474" y="3886778"/>
+              <a:ext cx="123826" cy="539"/>
             </a:xfrm>
             <a:prstGeom prst="line">
               <a:avLst/>
@@ -5387,8 +5418,8 @@
           </p:nvCxnSpPr>
           <p:spPr>
             <a:xfrm>
-              <a:off x="8229081" y="4187435"/>
-              <a:ext cx="156219" cy="449"/>
+              <a:off x="8261474" y="4187435"/>
+              <a:ext cx="123826" cy="448"/>
             </a:xfrm>
             <a:prstGeom prst="line">
               <a:avLst/>
@@ -5500,8 +5531,8 @@
           </p:nvCxnSpPr>
           <p:spPr>
             <a:xfrm flipH="1" flipV="1">
-              <a:off x="8227552" y="4522739"/>
-              <a:ext cx="156219" cy="539"/>
+              <a:off x="8259945" y="4522739"/>
+              <a:ext cx="123826" cy="539"/>
             </a:xfrm>
             <a:prstGeom prst="line">
               <a:avLst/>
@@ -5613,8 +5644,8 @@
           </p:nvCxnSpPr>
           <p:spPr>
             <a:xfrm>
-              <a:off x="8227552" y="4823396"/>
-              <a:ext cx="156219" cy="449"/>
+              <a:off x="8259945" y="4823396"/>
+              <a:ext cx="123826" cy="449"/>
             </a:xfrm>
             <a:prstGeom prst="line">
               <a:avLst/>
@@ -5726,8 +5757,8 @@
           </p:nvCxnSpPr>
           <p:spPr>
             <a:xfrm flipH="1" flipV="1">
-              <a:off x="8232300" y="5150776"/>
-              <a:ext cx="156219" cy="539"/>
+              <a:off x="8264696" y="5150776"/>
+              <a:ext cx="123823" cy="539"/>
             </a:xfrm>
             <a:prstGeom prst="line">
               <a:avLst/>
@@ -5839,8 +5870,8 @@
           </p:nvCxnSpPr>
           <p:spPr>
             <a:xfrm>
-              <a:off x="8232300" y="5451433"/>
-              <a:ext cx="156219" cy="448"/>
+              <a:off x="8264696" y="5451433"/>
+              <a:ext cx="123823" cy="448"/>
             </a:xfrm>
             <a:prstGeom prst="line">
               <a:avLst/>
@@ -5884,13 +5915,15 @@
             </p:cNvPr>
             <p:cNvCxnSpPr>
               <a:cxnSpLocks/>
+              <a:stCxn id="50" idx="2"/>
+              <a:endCxn id="68" idx="3"/>
             </p:cNvCxnSpPr>
             <p:nvPr/>
           </p:nvCxnSpPr>
           <p:spPr>
-            <a:xfrm flipH="1" flipV="1">
-              <a:off x="8642870" y="3886240"/>
-              <a:ext cx="156219" cy="539"/>
+            <a:xfrm flipH="1">
+              <a:off x="8642870" y="3887078"/>
+              <a:ext cx="128012" cy="239"/>
             </a:xfrm>
             <a:prstGeom prst="line">
               <a:avLst/>
@@ -5934,13 +5967,14 @@
             </p:cNvPr>
             <p:cNvCxnSpPr>
               <a:cxnSpLocks/>
+              <a:stCxn id="117" idx="2"/>
             </p:cNvCxnSpPr>
             <p:nvPr/>
           </p:nvCxnSpPr>
           <p:spPr>
-            <a:xfrm flipH="1" flipV="1">
-              <a:off x="8642870" y="4195453"/>
-              <a:ext cx="156219" cy="539"/>
+            <a:xfrm flipH="1">
+              <a:off x="8642870" y="4191969"/>
+              <a:ext cx="128012" cy="3484"/>
             </a:xfrm>
             <a:prstGeom prst="line">
               <a:avLst/>
@@ -5984,13 +6018,15 @@
             </p:cNvPr>
             <p:cNvCxnSpPr>
               <a:cxnSpLocks/>
+              <a:stCxn id="118" idx="2"/>
+              <a:endCxn id="72" idx="3"/>
             </p:cNvCxnSpPr>
             <p:nvPr/>
           </p:nvCxnSpPr>
           <p:spPr>
             <a:xfrm flipH="1" flipV="1">
-              <a:off x="8630167" y="4516804"/>
-              <a:ext cx="156219" cy="539"/>
+              <a:off x="8641341" y="4523278"/>
+              <a:ext cx="128406" cy="218"/>
             </a:xfrm>
             <a:prstGeom prst="line">
               <a:avLst/>
@@ -6034,13 +6070,15 @@
             </p:cNvPr>
             <p:cNvCxnSpPr>
               <a:cxnSpLocks/>
+              <a:stCxn id="119" idx="2"/>
+              <a:endCxn id="74" idx="3"/>
             </p:cNvCxnSpPr>
             <p:nvPr/>
           </p:nvCxnSpPr>
           <p:spPr>
             <a:xfrm flipH="1" flipV="1">
-              <a:off x="8641341" y="4822533"/>
-              <a:ext cx="156219" cy="539"/>
+              <a:off x="8641341" y="4823845"/>
+              <a:ext cx="127310" cy="2726"/>
             </a:xfrm>
             <a:prstGeom prst="line">
               <a:avLst/>
@@ -6084,13 +6122,15 @@
             </p:cNvPr>
             <p:cNvCxnSpPr>
               <a:cxnSpLocks/>
+              <a:stCxn id="120" idx="2"/>
+              <a:endCxn id="76" idx="3"/>
             </p:cNvCxnSpPr>
             <p:nvPr/>
           </p:nvCxnSpPr>
           <p:spPr>
-            <a:xfrm flipH="1" flipV="1">
-              <a:off x="8641341" y="5150237"/>
-              <a:ext cx="156219" cy="539"/>
+            <a:xfrm flipH="1">
+              <a:off x="8646089" y="5150508"/>
+              <a:ext cx="122562" cy="807"/>
             </a:xfrm>
             <a:prstGeom prst="line">
               <a:avLst/>
@@ -6134,13 +6174,15 @@
             </p:cNvPr>
             <p:cNvCxnSpPr>
               <a:cxnSpLocks/>
+              <a:stCxn id="121" idx="2"/>
+              <a:endCxn id="78" idx="3"/>
             </p:cNvCxnSpPr>
             <p:nvPr/>
           </p:nvCxnSpPr>
           <p:spPr>
-            <a:xfrm flipH="1" flipV="1">
-              <a:off x="8641341" y="5451109"/>
-              <a:ext cx="156219" cy="539"/>
+            <a:xfrm flipH="1">
+              <a:off x="8646089" y="5448898"/>
+              <a:ext cx="121430" cy="2983"/>
             </a:xfrm>
             <a:prstGeom prst="line">
               <a:avLst/>
@@ -6188,12 +6230,17 @@
         </p:nvSpPr>
         <p:spPr>
           <a:xfrm>
-            <a:off x="7858890" y="2000597"/>
+            <a:off x="6858973" y="1971308"/>
             <a:ext cx="524067" cy="521309"/>
           </a:xfrm>
           <a:prstGeom prst="ellipse">
             <a:avLst/>
           </a:prstGeom>
+          <a:solidFill>
+            <a:schemeClr val="dk1">
+              <a:alpha val="38000"/>
+            </a:schemeClr>
+          </a:solidFill>
           <a:ln w="28575"/>
         </p:spPr>
         <p:style>
@@ -6219,231 +6266,6 @@
           </a:p>
         </p:txBody>
       </p:sp>
-      <p:sp>
-        <p:nvSpPr>
-          <p:cNvPr id="51" name="Ovale 50">
-            <a:extLst>
-              <a:ext uri="{FF2B5EF4-FFF2-40B4-BE49-F238E27FC236}">
-                <a16:creationId xmlns:a16="http://schemas.microsoft.com/office/drawing/2014/main" id="{7980512B-C260-20A9-37BB-085856A39CA3}"/>
-              </a:ext>
-            </a:extLst>
-          </p:cNvPr>
-          <p:cNvSpPr/>
-          <p:nvPr/>
-        </p:nvSpPr>
-        <p:spPr>
-          <a:xfrm>
-            <a:off x="7858890" y="2549169"/>
-            <a:ext cx="524067" cy="521309"/>
-          </a:xfrm>
-          <a:prstGeom prst="ellipse">
-            <a:avLst/>
-          </a:prstGeom>
-          <a:ln w="28575"/>
-        </p:spPr>
-        <p:style>
-          <a:lnRef idx="3">
-            <a:schemeClr val="lt1"/>
-          </a:lnRef>
-          <a:fillRef idx="1">
-            <a:schemeClr val="dk1"/>
-          </a:fillRef>
-          <a:effectRef idx="1">
-            <a:schemeClr val="dk1"/>
-          </a:effectRef>
-          <a:fontRef idx="minor">
-            <a:schemeClr val="lt1"/>
-          </a:fontRef>
-        </p:style>
-        <p:txBody>
-          <a:bodyPr rtlCol="0" anchor="ctr"/>
-          <a:lstStyle/>
-          <a:p>
-            <a:pPr algn="ctr"/>
-            <a:endParaRPr lang="en-US" sz="2000"/>
-          </a:p>
-        </p:txBody>
-      </p:sp>
-      <p:sp>
-        <p:nvSpPr>
-          <p:cNvPr id="52" name="Ovale 51">
-            <a:extLst>
-              <a:ext uri="{FF2B5EF4-FFF2-40B4-BE49-F238E27FC236}">
-                <a16:creationId xmlns:a16="http://schemas.microsoft.com/office/drawing/2014/main" id="{BE50B291-6C4E-6A6D-30F7-86A72C09632F}"/>
-              </a:ext>
-            </a:extLst>
-          </p:cNvPr>
-          <p:cNvSpPr/>
-          <p:nvPr/>
-        </p:nvSpPr>
-        <p:spPr>
-          <a:xfrm>
-            <a:off x="7873853" y="3266102"/>
-            <a:ext cx="524067" cy="521309"/>
-          </a:xfrm>
-          <a:prstGeom prst="ellipse">
-            <a:avLst/>
-          </a:prstGeom>
-          <a:ln w="28575"/>
-        </p:spPr>
-        <p:style>
-          <a:lnRef idx="3">
-            <a:schemeClr val="lt1"/>
-          </a:lnRef>
-          <a:fillRef idx="1">
-            <a:schemeClr val="dk1"/>
-          </a:fillRef>
-          <a:effectRef idx="1">
-            <a:schemeClr val="dk1"/>
-          </a:effectRef>
-          <a:fontRef idx="minor">
-            <a:schemeClr val="lt1"/>
-          </a:fontRef>
-        </p:style>
-        <p:txBody>
-          <a:bodyPr rtlCol="0" anchor="ctr"/>
-          <a:lstStyle/>
-          <a:p>
-            <a:pPr algn="ctr"/>
-            <a:endParaRPr lang="en-US" sz="2000"/>
-          </a:p>
-        </p:txBody>
-      </p:sp>
-      <p:sp>
-        <p:nvSpPr>
-          <p:cNvPr id="53" name="Ovale 52">
-            <a:extLst>
-              <a:ext uri="{FF2B5EF4-FFF2-40B4-BE49-F238E27FC236}">
-                <a16:creationId xmlns:a16="http://schemas.microsoft.com/office/drawing/2014/main" id="{B283A914-3E9B-0F2C-8145-84AEBE724C68}"/>
-              </a:ext>
-            </a:extLst>
-          </p:cNvPr>
-          <p:cNvSpPr/>
-          <p:nvPr/>
-        </p:nvSpPr>
-        <p:spPr>
-          <a:xfrm>
-            <a:off x="7873853" y="3833588"/>
-            <a:ext cx="524067" cy="521309"/>
-          </a:xfrm>
-          <a:prstGeom prst="ellipse">
-            <a:avLst/>
-          </a:prstGeom>
-          <a:ln w="28575"/>
-        </p:spPr>
-        <p:style>
-          <a:lnRef idx="3">
-            <a:schemeClr val="lt1"/>
-          </a:lnRef>
-          <a:fillRef idx="1">
-            <a:schemeClr val="dk1"/>
-          </a:fillRef>
-          <a:effectRef idx="1">
-            <a:schemeClr val="dk1"/>
-          </a:effectRef>
-          <a:fontRef idx="minor">
-            <a:schemeClr val="lt1"/>
-          </a:fontRef>
-        </p:style>
-        <p:txBody>
-          <a:bodyPr rtlCol="0" anchor="ctr"/>
-          <a:lstStyle/>
-          <a:p>
-            <a:pPr algn="ctr"/>
-            <a:endParaRPr lang="en-US" sz="2000"/>
-          </a:p>
-        </p:txBody>
-      </p:sp>
-      <p:sp>
-        <p:nvSpPr>
-          <p:cNvPr id="54" name="Ovale 53">
-            <a:extLst>
-              <a:ext uri="{FF2B5EF4-FFF2-40B4-BE49-F238E27FC236}">
-                <a16:creationId xmlns:a16="http://schemas.microsoft.com/office/drawing/2014/main" id="{29F07CB8-EDBD-B14A-66B9-D6BC3921AE04}"/>
-              </a:ext>
-            </a:extLst>
-          </p:cNvPr>
-          <p:cNvSpPr/>
-          <p:nvPr/>
-        </p:nvSpPr>
-        <p:spPr>
-          <a:xfrm>
-            <a:off x="7889558" y="4464560"/>
-            <a:ext cx="524067" cy="521309"/>
-          </a:xfrm>
-          <a:prstGeom prst="ellipse">
-            <a:avLst/>
-          </a:prstGeom>
-          <a:ln w="28575"/>
-        </p:spPr>
-        <p:style>
-          <a:lnRef idx="3">
-            <a:schemeClr val="lt1"/>
-          </a:lnRef>
-          <a:fillRef idx="1">
-            <a:schemeClr val="dk1"/>
-          </a:fillRef>
-          <a:effectRef idx="1">
-            <a:schemeClr val="dk1"/>
-          </a:effectRef>
-          <a:fontRef idx="minor">
-            <a:schemeClr val="lt1"/>
-          </a:fontRef>
-        </p:style>
-        <p:txBody>
-          <a:bodyPr rtlCol="0" anchor="ctr"/>
-          <a:lstStyle/>
-          <a:p>
-            <a:pPr algn="ctr"/>
-            <a:endParaRPr lang="en-US" sz="2000"/>
-          </a:p>
-        </p:txBody>
-      </p:sp>
-      <p:sp>
-        <p:nvSpPr>
-          <p:cNvPr id="55" name="Ovale 54">
-            <a:extLst>
-              <a:ext uri="{FF2B5EF4-FFF2-40B4-BE49-F238E27FC236}">
-                <a16:creationId xmlns:a16="http://schemas.microsoft.com/office/drawing/2014/main" id="{D44B3503-2A02-ACA8-3F51-AF818E120B2D}"/>
-              </a:ext>
-            </a:extLst>
-          </p:cNvPr>
-          <p:cNvSpPr/>
-          <p:nvPr/>
-        </p:nvSpPr>
-        <p:spPr>
-          <a:xfrm>
-            <a:off x="7889558" y="5032048"/>
-            <a:ext cx="524067" cy="521309"/>
-          </a:xfrm>
-          <a:prstGeom prst="ellipse">
-            <a:avLst/>
-          </a:prstGeom>
-          <a:ln w="28575"/>
-        </p:spPr>
-        <p:style>
-          <a:lnRef idx="3">
-            <a:schemeClr val="lt1"/>
-          </a:lnRef>
-          <a:fillRef idx="1">
-            <a:schemeClr val="dk1"/>
-          </a:fillRef>
-          <a:effectRef idx="1">
-            <a:schemeClr val="dk1"/>
-          </a:effectRef>
-          <a:fontRef idx="minor">
-            <a:schemeClr val="lt1"/>
-          </a:fontRef>
-        </p:style>
-        <p:txBody>
-          <a:bodyPr rtlCol="0" anchor="ctr"/>
-          <a:lstStyle/>
-          <a:p>
-            <a:pPr algn="ctr"/>
-            <a:endParaRPr lang="en-US" sz="2000"/>
-          </a:p>
-        </p:txBody>
-      </p:sp>
       <p:cxnSp>
         <p:nvCxnSpPr>
           <p:cNvPr id="56" name="Connettore 1 55">
@@ -6455,15 +6277,15 @@
           </p:cNvPr>
           <p:cNvCxnSpPr>
             <a:cxnSpLocks/>
-            <a:stCxn id="50" idx="6"/>
+            <a:stCxn id="114" idx="3"/>
             <a:endCxn id="57" idx="2"/>
           </p:cNvCxnSpPr>
           <p:nvPr/>
         </p:nvCxnSpPr>
         <p:spPr>
           <a:xfrm>
-            <a:off x="8382957" y="2261252"/>
-            <a:ext cx="1328142" cy="1019034"/>
+            <a:off x="8730871" y="2194254"/>
+            <a:ext cx="980228" cy="1086033"/>
           </a:xfrm>
           <a:prstGeom prst="line">
             <a:avLst/>
@@ -6508,6 +6330,11 @@
           <a:prstGeom prst="ellipse">
             <a:avLst/>
           </a:prstGeom>
+          <a:solidFill>
+            <a:schemeClr val="bg2">
+              <a:lumMod val="50000"/>
+            </a:schemeClr>
+          </a:solidFill>
           <a:ln w="28575"/>
         </p:spPr>
         <p:style>
@@ -6544,15 +6371,15 @@
           </p:cNvPr>
           <p:cNvCxnSpPr>
             <a:cxnSpLocks/>
-            <a:stCxn id="51" idx="6"/>
+            <a:stCxn id="128" idx="3"/>
             <a:endCxn id="57" idx="2"/>
           </p:cNvCxnSpPr>
           <p:nvPr/>
         </p:nvCxnSpPr>
         <p:spPr>
           <a:xfrm>
-            <a:off x="8382957" y="2809824"/>
-            <a:ext cx="1328142" cy="470463"/>
+            <a:off x="8740249" y="2866982"/>
+            <a:ext cx="970850" cy="413305"/>
           </a:xfrm>
           <a:prstGeom prst="line">
             <a:avLst/>
@@ -6588,15 +6415,15 @@
           </p:cNvPr>
           <p:cNvCxnSpPr>
             <a:cxnSpLocks/>
-            <a:stCxn id="52" idx="6"/>
+            <a:stCxn id="130" idx="3"/>
             <a:endCxn id="57" idx="2"/>
           </p:cNvCxnSpPr>
           <p:nvPr/>
         </p:nvCxnSpPr>
         <p:spPr>
           <a:xfrm flipV="1">
-            <a:off x="8397920" y="3280286"/>
-            <a:ext cx="1313179" cy="246471"/>
+            <a:off x="8748888" y="3280287"/>
+            <a:ext cx="962211" cy="232471"/>
           </a:xfrm>
           <a:prstGeom prst="line">
             <a:avLst/>
@@ -6632,15 +6459,15 @@
           </p:cNvPr>
           <p:cNvCxnSpPr>
             <a:cxnSpLocks/>
-            <a:stCxn id="53" idx="6"/>
+            <a:stCxn id="131" idx="3"/>
             <a:endCxn id="57" idx="2"/>
           </p:cNvCxnSpPr>
           <p:nvPr/>
         </p:nvCxnSpPr>
         <p:spPr>
           <a:xfrm flipV="1">
-            <a:off x="8397920" y="3280286"/>
-            <a:ext cx="1313179" cy="813956"/>
+            <a:off x="8732998" y="3280287"/>
+            <a:ext cx="978101" cy="867533"/>
           </a:xfrm>
           <a:prstGeom prst="line">
             <a:avLst/>
@@ -6676,15 +6503,15 @@
           </p:cNvPr>
           <p:cNvCxnSpPr>
             <a:cxnSpLocks/>
-            <a:stCxn id="54" idx="6"/>
+            <a:stCxn id="133" idx="3"/>
             <a:endCxn id="57" idx="2"/>
           </p:cNvCxnSpPr>
           <p:nvPr/>
         </p:nvCxnSpPr>
         <p:spPr>
           <a:xfrm flipV="1">
-            <a:off x="8413625" y="3280286"/>
-            <a:ext cx="1297474" cy="1444928"/>
+            <a:off x="8751015" y="3280287"/>
+            <a:ext cx="960084" cy="2186037"/>
           </a:xfrm>
           <a:prstGeom prst="line">
             <a:avLst/>
@@ -6720,15 +6547,15 @@
           </p:cNvPr>
           <p:cNvCxnSpPr>
             <a:cxnSpLocks/>
-            <a:stCxn id="55" idx="6"/>
+            <a:stCxn id="132" idx="3"/>
             <a:endCxn id="57" idx="2"/>
           </p:cNvCxnSpPr>
           <p:nvPr/>
         </p:nvCxnSpPr>
         <p:spPr>
           <a:xfrm flipV="1">
-            <a:off x="8413625" y="3280286"/>
-            <a:ext cx="1297474" cy="2012416"/>
+            <a:off x="8742376" y="3280287"/>
+            <a:ext cx="968723" cy="1540261"/>
           </a:xfrm>
           <a:prstGeom prst="line">
             <a:avLst/>
@@ -6940,114 +6767,319 @@
           </a:fontRef>
         </p:style>
       </p:cxnSp>
-      <p:sp>
-        <p:nvSpPr>
-          <p:cNvPr id="66" name="Parentesi quadra aperta 65">
-            <a:extLst>
-              <a:ext uri="{FF2B5EF4-FFF2-40B4-BE49-F238E27FC236}">
-                <a16:creationId xmlns:a16="http://schemas.microsoft.com/office/drawing/2014/main" id="{F2F81C66-C2D4-A6BB-C51A-41A0B3C3FCA7}"/>
-              </a:ext>
-            </a:extLst>
-          </p:cNvPr>
-          <p:cNvSpPr/>
-          <p:nvPr/>
-        </p:nvSpPr>
-        <p:spPr>
-          <a:xfrm rot="16200000">
-            <a:off x="6177080" y="3525292"/>
-            <a:ext cx="348230" cy="4383090"/>
-          </a:xfrm>
-          <a:prstGeom prst="leftBracket">
-            <a:avLst/>
-          </a:prstGeom>
-          <a:ln w="28575"/>
-        </p:spPr>
-        <p:style>
-          <a:lnRef idx="1">
-            <a:schemeClr val="accent1"/>
-          </a:lnRef>
-          <a:fillRef idx="0">
-            <a:schemeClr val="accent1"/>
-          </a:fillRef>
-          <a:effectRef idx="0">
-            <a:schemeClr val="accent1"/>
-          </a:effectRef>
-          <a:fontRef idx="minor">
-            <a:schemeClr val="tx1"/>
-          </a:fontRef>
-        </p:style>
-        <p:txBody>
-          <a:bodyPr rtlCol="0" anchor="ctr"/>
-          <a:lstStyle/>
-          <a:p>
-            <a:pPr algn="ctr"/>
-            <a:endParaRPr lang="en-US" sz="2000"/>
-          </a:p>
-        </p:txBody>
-      </p:sp>
-      <p:sp>
-        <p:nvSpPr>
-          <p:cNvPr id="67" name="CasellaDiTesto 66">
-            <a:extLst>
-              <a:ext uri="{FF2B5EF4-FFF2-40B4-BE49-F238E27FC236}">
-                <a16:creationId xmlns:a16="http://schemas.microsoft.com/office/drawing/2014/main" id="{605A2DE1-D650-6405-1EA4-2C073527AFBF}"/>
-              </a:ext>
-            </a:extLst>
-          </p:cNvPr>
-          <p:cNvSpPr txBox="1"/>
-          <p:nvPr/>
-        </p:nvSpPr>
-        <p:spPr>
-          <a:xfrm>
-            <a:off x="5642167" y="6121631"/>
-            <a:ext cx="1238416" cy="400111"/>
-          </a:xfrm>
-          <a:prstGeom prst="rect">
-            <a:avLst/>
-          </a:prstGeom>
-          <a:noFill/>
-          <a:ln w="28575">
-            <a:solidFill>
-              <a:schemeClr val="tx1"/>
-            </a:solidFill>
-          </a:ln>
-        </p:spPr>
-        <p:style>
-          <a:lnRef idx="0">
-            <a:scrgbClr r="0" g="0" b="0"/>
-          </a:lnRef>
-          <a:fillRef idx="0">
-            <a:scrgbClr r="0" g="0" b="0"/>
-          </a:fillRef>
-          <a:effectRef idx="0">
-            <a:scrgbClr r="0" g="0" b="0"/>
-          </a:effectRef>
-          <a:fontRef idx="minor">
-            <a:schemeClr val="accent1"/>
-          </a:fontRef>
-        </p:style>
-        <p:txBody>
-          <a:bodyPr wrap="none" rtlCol="0">
-            <a:spAutoFit/>
-          </a:bodyPr>
-          <a:lstStyle/>
-          <a:p>
-            <a:r>
-              <a:rPr lang="en-US" sz="2000" dirty="0">
-                <a:ln w="0"/>
-                <a:effectLst>
-                  <a:outerShdw blurRad="38100" dist="25400" dir="5400000" algn="ctr" rotWithShape="0">
-                    <a:srgbClr val="6E747A">
-                      <a:alpha val="43000"/>
-                    </a:srgbClr>
-                  </a:outerShdw>
-                </a:effectLst>
-              </a:rPr>
-              <a:t>K+1 layers</a:t>
-            </a:r>
-          </a:p>
-        </p:txBody>
-      </p:sp>
+      <mc:AlternateContent xmlns:mc="http://schemas.openxmlformats.org/markup-compatibility/2006">
+        <mc:Choice xmlns:a14="http://schemas.microsoft.com/office/drawing/2010/main" Requires="a14">
+          <p:sp>
+            <p:nvSpPr>
+              <p:cNvPr id="67" name="CasellaDiTesto 66">
+                <a:extLst>
+                  <a:ext uri="{FF2B5EF4-FFF2-40B4-BE49-F238E27FC236}">
+                    <a16:creationId xmlns:a16="http://schemas.microsoft.com/office/drawing/2014/main" id="{605A2DE1-D650-6405-1EA4-2C073527AFBF}"/>
+                  </a:ext>
+                </a:extLst>
+              </p:cNvPr>
+              <p:cNvSpPr txBox="1"/>
+              <p:nvPr/>
+            </p:nvSpPr>
+            <p:spPr>
+              <a:xfrm>
+                <a:off x="9524465" y="4359837"/>
+                <a:ext cx="2492280" cy="1323439"/>
+              </a:xfrm>
+              <a:prstGeom prst="rect">
+                <a:avLst/>
+              </a:prstGeom>
+              <a:noFill/>
+              <a:ln w="28575">
+                <a:solidFill>
+                  <a:schemeClr val="accent5"/>
+                </a:solidFill>
+              </a:ln>
+            </p:spPr>
+            <p:style>
+              <a:lnRef idx="0">
+                <a:scrgbClr r="0" g="0" b="0"/>
+              </a:lnRef>
+              <a:fillRef idx="0">
+                <a:scrgbClr r="0" g="0" b="0"/>
+              </a:fillRef>
+              <a:effectRef idx="0">
+                <a:scrgbClr r="0" g="0" b="0"/>
+              </a:effectRef>
+              <a:fontRef idx="minor">
+                <a:schemeClr val="accent1"/>
+              </a:fontRef>
+            </p:style>
+            <p:txBody>
+              <a:bodyPr wrap="square" rtlCol="0">
+                <a:spAutoFit/>
+              </a:bodyPr>
+              <a:lstStyle/>
+              <a:p>
+                <a:r>
+                  <a:rPr lang="en-US" sz="2000" dirty="0">
+                    <a:ln w="0"/>
+                    <a:solidFill>
+                      <a:schemeClr val="accent5"/>
+                    </a:solidFill>
+                    <a:effectLst>
+                      <a:outerShdw blurRad="38100" dist="25400" dir="5400000" algn="ctr" rotWithShape="0">
+                        <a:srgbClr val="6E747A">
+                          <a:alpha val="43000"/>
+                        </a:srgbClr>
+                      </a:outerShdw>
+                    </a:effectLst>
+                  </a:rPr>
+                  <a:t>K+1 hidden layers.</a:t>
+                </a:r>
+              </a:p>
+              <a:p>
+                <a:r>
+                  <a:rPr lang="en-US" sz="2000" dirty="0">
+                    <a:ln w="0"/>
+                    <a:solidFill>
+                      <a:schemeClr val="accent5"/>
+                    </a:solidFill>
+                    <a:effectLst>
+                      <a:outerShdw blurRad="38100" dist="25400" dir="5400000" algn="ctr" rotWithShape="0">
+                        <a:srgbClr val="6E747A">
+                          <a:alpha val="43000"/>
+                        </a:srgbClr>
+                      </a:outerShdw>
+                    </a:effectLst>
+                  </a:rPr>
+                  <a:t>Number of hidden neurons:</a:t>
+                </a:r>
+                <a:endParaRPr lang="it-IT" sz="2000" b="0" i="1" dirty="0">
+                  <a:ln w="0"/>
+                  <a:solidFill>
+                    <a:schemeClr val="accent5"/>
+                  </a:solidFill>
+                  <a:effectLst>
+                    <a:outerShdw blurRad="38100" dist="25400" dir="5400000" algn="ctr" rotWithShape="0">
+                      <a:srgbClr val="6E747A">
+                        <a:alpha val="43000"/>
+                      </a:srgbClr>
+                    </a:outerShdw>
+                  </a:effectLst>
+                  <a:latin typeface="Cambria Math" panose="02040503050406030204" pitchFamily="18" charset="0"/>
+                  <a:ea typeface="Cambria Math" panose="02040503050406030204" pitchFamily="18" charset="0"/>
+                </a:endParaRPr>
+              </a:p>
+              <a:p>
+                <a14:m>
+                  <m:oMathPara xmlns:m="http://schemas.openxmlformats.org/officeDocument/2006/math">
+                    <m:oMathParaPr>
+                      <m:jc m:val="centerGroup"/>
+                    </m:oMathParaPr>
+                    <m:oMath xmlns:m="http://schemas.openxmlformats.org/officeDocument/2006/math">
+                      <m:r>
+                        <a:rPr lang="it-IT" sz="2000" b="0" i="1" smtClean="0">
+                          <a:ln w="0"/>
+                          <a:solidFill>
+                            <a:schemeClr val="accent5"/>
+                          </a:solidFill>
+                          <a:effectLst>
+                            <a:outerShdw blurRad="38100" dist="25400" dir="5400000" algn="ctr" rotWithShape="0">
+                              <a:srgbClr val="6E747A">
+                                <a:alpha val="43000"/>
+                              </a:srgbClr>
+                            </a:outerShdw>
+                          </a:effectLst>
+                          <a:latin typeface="Cambria Math" panose="02040503050406030204" pitchFamily="18" charset="0"/>
+                          <a:ea typeface="Cambria Math" panose="02040503050406030204" pitchFamily="18" charset="0"/>
+                        </a:rPr>
+                        <m:t>∝</m:t>
+                      </m:r>
+                      <m:r>
+                        <a:rPr lang="it-IT" sz="2000" b="0" i="1" smtClean="0">
+                          <a:ln w="0"/>
+                          <a:solidFill>
+                            <a:schemeClr val="accent5"/>
+                          </a:solidFill>
+                          <a:effectLst>
+                            <a:outerShdw blurRad="38100" dist="25400" dir="5400000" algn="ctr" rotWithShape="0">
+                              <a:srgbClr val="6E747A">
+                                <a:alpha val="43000"/>
+                              </a:srgbClr>
+                            </a:outerShdw>
+                          </a:effectLst>
+                          <a:latin typeface="Cambria Math" panose="02040503050406030204" pitchFamily="18" charset="0"/>
+                        </a:rPr>
+                        <m:t>2(</m:t>
+                      </m:r>
+                      <m:r>
+                        <a:rPr lang="it-IT" sz="2000" b="0" i="1" smtClean="0">
+                          <a:ln w="0"/>
+                          <a:solidFill>
+                            <a:schemeClr val="accent5"/>
+                          </a:solidFill>
+                          <a:effectLst>
+                            <a:outerShdw blurRad="38100" dist="25400" dir="5400000" algn="ctr" rotWithShape="0">
+                              <a:srgbClr val="6E747A">
+                                <a:alpha val="43000"/>
+                              </a:srgbClr>
+                            </a:outerShdw>
+                          </a:effectLst>
+                          <a:latin typeface="Cambria Math" panose="02040503050406030204" pitchFamily="18" charset="0"/>
+                        </a:rPr>
+                        <m:t>𝑘</m:t>
+                      </m:r>
+                      <m:r>
+                        <a:rPr lang="it-IT" sz="2000" b="0" i="1" smtClean="0">
+                          <a:ln w="0"/>
+                          <a:solidFill>
+                            <a:schemeClr val="accent5"/>
+                          </a:solidFill>
+                          <a:effectLst>
+                            <a:outerShdw blurRad="38100" dist="25400" dir="5400000" algn="ctr" rotWithShape="0">
+                              <a:srgbClr val="6E747A">
+                                <a:alpha val="43000"/>
+                              </a:srgbClr>
+                            </a:outerShdw>
+                          </a:effectLst>
+                          <a:latin typeface="Cambria Math" panose="02040503050406030204" pitchFamily="18" charset="0"/>
+                        </a:rPr>
+                        <m:t>+1)(</m:t>
+                      </m:r>
+                      <m:r>
+                        <a:rPr lang="it-IT" sz="2000" b="0" i="1" smtClean="0">
+                          <a:ln w="0"/>
+                          <a:solidFill>
+                            <a:schemeClr val="accent5"/>
+                          </a:solidFill>
+                          <a:effectLst>
+                            <a:outerShdw blurRad="38100" dist="25400" dir="5400000" algn="ctr" rotWithShape="0">
+                              <a:srgbClr val="6E747A">
+                                <a:alpha val="43000"/>
+                              </a:srgbClr>
+                            </a:outerShdw>
+                          </a:effectLst>
+                          <a:latin typeface="Cambria Math" panose="02040503050406030204" pitchFamily="18" charset="0"/>
+                        </a:rPr>
+                        <m:t>𝑁</m:t>
+                      </m:r>
+                      <m:r>
+                        <a:rPr lang="it-IT" sz="2000" b="0" i="1" smtClean="0">
+                          <a:ln w="0"/>
+                          <a:solidFill>
+                            <a:schemeClr val="accent5"/>
+                          </a:solidFill>
+                          <a:effectLst>
+                            <a:outerShdw blurRad="38100" dist="25400" dir="5400000" algn="ctr" rotWithShape="0">
+                              <a:srgbClr val="6E747A">
+                                <a:alpha val="43000"/>
+                              </a:srgbClr>
+                            </a:outerShdw>
+                          </a:effectLst>
+                          <a:latin typeface="Cambria Math" panose="02040503050406030204" pitchFamily="18" charset="0"/>
+                        </a:rPr>
+                        <m:t>−</m:t>
+                      </m:r>
+                      <m:r>
+                        <a:rPr lang="it-IT" sz="2000" b="0" i="1" smtClean="0">
+                          <a:ln w="0"/>
+                          <a:solidFill>
+                            <a:schemeClr val="accent5"/>
+                          </a:solidFill>
+                          <a:effectLst>
+                            <a:outerShdw blurRad="38100" dist="25400" dir="5400000" algn="ctr" rotWithShape="0">
+                              <a:srgbClr val="6E747A">
+                                <a:alpha val="43000"/>
+                              </a:srgbClr>
+                            </a:outerShdw>
+                          </a:effectLst>
+                          <a:latin typeface="Cambria Math" panose="02040503050406030204" pitchFamily="18" charset="0"/>
+                        </a:rPr>
+                        <m:t>𝑖</m:t>
+                      </m:r>
+                      <m:r>
+                        <a:rPr lang="it-IT" sz="2000" b="0" i="1" smtClean="0">
+                          <a:ln w="0"/>
+                          <a:solidFill>
+                            <a:schemeClr val="accent5"/>
+                          </a:solidFill>
+                          <a:effectLst>
+                            <a:outerShdw blurRad="38100" dist="25400" dir="5400000" algn="ctr" rotWithShape="0">
+                              <a:srgbClr val="6E747A">
+                                <a:alpha val="43000"/>
+                              </a:srgbClr>
+                            </a:outerShdw>
+                          </a:effectLst>
+                          <a:latin typeface="Cambria Math" panose="02040503050406030204" pitchFamily="18" charset="0"/>
+                        </a:rPr>
+                        <m:t>)</m:t>
+                      </m:r>
+                    </m:oMath>
+                  </m:oMathPara>
+                </a14:m>
+                <a:endParaRPr lang="en-US" sz="2000" dirty="0">
+                  <a:ln w="0"/>
+                  <a:solidFill>
+                    <a:schemeClr val="accent5"/>
+                  </a:solidFill>
+                  <a:effectLst>
+                    <a:outerShdw blurRad="38100" dist="25400" dir="5400000" algn="ctr" rotWithShape="0">
+                      <a:srgbClr val="6E747A">
+                        <a:alpha val="43000"/>
+                      </a:srgbClr>
+                    </a:outerShdw>
+                  </a:effectLst>
+                </a:endParaRPr>
+              </a:p>
+            </p:txBody>
+          </p:sp>
+        </mc:Choice>
+        <mc:Fallback>
+          <p:sp>
+            <p:nvSpPr>
+              <p:cNvPr id="67" name="CasellaDiTesto 66">
+                <a:extLst>
+                  <a:ext uri="{FF2B5EF4-FFF2-40B4-BE49-F238E27FC236}">
+                    <a16:creationId xmlns:a16="http://schemas.microsoft.com/office/drawing/2014/main" id="{605A2DE1-D650-6405-1EA4-2C073527AFBF}"/>
+                  </a:ext>
+                </a:extLst>
+              </p:cNvPr>
+              <p:cNvSpPr txBox="1">
+                <a:spLocks noRot="1" noChangeAspect="1" noMove="1" noResize="1" noEditPoints="1" noAdjustHandles="1" noChangeArrowheads="1" noChangeShapeType="1" noTextEdit="1"/>
+              </p:cNvSpPr>
+              <p:nvPr/>
+            </p:nvSpPr>
+            <p:spPr>
+              <a:xfrm>
+                <a:off x="9524465" y="4359837"/>
+                <a:ext cx="2492280" cy="1323439"/>
+              </a:xfrm>
+              <a:prstGeom prst="rect">
+                <a:avLst/>
+              </a:prstGeom>
+              <a:blipFill>
+                <a:blip r:embed="rId2"/>
+                <a:stretch>
+                  <a:fillRect l="-2500" t="-1869" b="-4673"/>
+                </a:stretch>
+              </a:blipFill>
+              <a:ln w="28575">
+                <a:solidFill>
+                  <a:schemeClr val="accent5"/>
+                </a:solidFill>
+              </a:ln>
+            </p:spPr>
+            <p:txBody>
+              <a:bodyPr/>
+              <a:lstStyle/>
+              <a:p>
+                <a:r>
+                  <a:rPr lang="en-US">
+                    <a:noFill/>
+                  </a:rPr>
+                  <a:t> </a:t>
+                </a:r>
+              </a:p>
+            </p:txBody>
+          </p:sp>
+        </mc:Fallback>
+      </mc:AlternateContent>
       <mc:AlternateContent xmlns:mc="http://schemas.openxmlformats.org/markup-compatibility/2006">
         <mc:Choice xmlns:a14="http://schemas.microsoft.com/office/drawing/2010/main" Requires="a14">
           <p:sp>
@@ -7073,7 +7105,7 @@
               <a:noFill/>
               <a:ln w="28575" cap="flat" cmpd="sng" algn="ctr">
                 <a:solidFill>
-                  <a:schemeClr val="accent1"/>
+                  <a:schemeClr val="tx1"/>
                 </a:solidFill>
                 <a:prstDash val="solid"/>
                 <a:round/>
@@ -7110,6 +7142,9 @@
                         <m:sSubSupPr>
                           <m:ctrlPr>
                             <a:rPr lang="en-US" sz="2400" i="1" smtClean="0">
+                              <a:solidFill>
+                                <a:schemeClr val="tx1"/>
+                              </a:solidFill>
                               <a:latin typeface="Cambria Math" panose="02040503050406030204" pitchFamily="18" charset="0"/>
                             </a:rPr>
                           </m:ctrlPr>
@@ -7117,6 +7152,9 @@
                         <m:e>
                           <m:r>
                             <a:rPr lang="it-IT" sz="2400" b="0" i="1" smtClean="0">
+                              <a:solidFill>
+                                <a:schemeClr val="tx1"/>
+                              </a:solidFill>
                               <a:latin typeface="Cambria Math" panose="02040503050406030204" pitchFamily="18" charset="0"/>
                             </a:rPr>
                             <m:t>𝑥</m:t>
@@ -7125,6 +7163,9 @@
                         <m:sub>
                           <m:r>
                             <a:rPr lang="it-IT" sz="2400" b="0" i="1" smtClean="0">
+                              <a:solidFill>
+                                <a:schemeClr val="tx1"/>
+                              </a:solidFill>
                               <a:latin typeface="Cambria Math" panose="02040503050406030204" pitchFamily="18" charset="0"/>
                             </a:rPr>
                             <m:t>𝑖</m:t>
@@ -7133,6 +7174,9 @@
                         <m:sup>
                           <m:r>
                             <a:rPr lang="it-IT" sz="2400" b="0" i="1" smtClean="0">
+                              <a:solidFill>
+                                <a:schemeClr val="tx1"/>
+                              </a:solidFill>
                               <a:latin typeface="Cambria Math" panose="02040503050406030204" pitchFamily="18" charset="0"/>
                             </a:rPr>
                             <m:t>1</m:t>
@@ -7142,7 +7186,11 @@
                     </m:oMath>
                   </m:oMathPara>
                 </a14:m>
-                <a:endParaRPr lang="en-US" sz="2400" dirty="0"/>
+                <a:endParaRPr lang="en-US" sz="2400" dirty="0">
+                  <a:solidFill>
+                    <a:schemeClr val="tx1"/>
+                  </a:solidFill>
+                </a:endParaRPr>
               </a:p>
             </p:txBody>
           </p:sp>
@@ -7171,14 +7219,14 @@
                 <a:avLst/>
               </a:prstGeom>
               <a:blipFill>
-                <a:blip r:embed="rId2"/>
+                <a:blip r:embed="rId3"/>
                 <a:stretch>
                   <a:fillRect/>
                 </a:stretch>
               </a:blipFill>
               <a:ln w="28575" cap="flat" cmpd="sng" algn="ctr">
                 <a:solidFill>
-                  <a:schemeClr val="accent1"/>
+                  <a:schemeClr val="tx1"/>
                 </a:solidFill>
                 <a:prstDash val="solid"/>
                 <a:round/>
@@ -7226,7 +7274,7 @@
               <a:noFill/>
               <a:ln w="28575" cap="flat" cmpd="sng" algn="ctr">
                 <a:solidFill>
-                  <a:schemeClr val="accent1"/>
+                  <a:schemeClr val="tx1"/>
                 </a:solidFill>
                 <a:prstDash val="solid"/>
                 <a:round/>
@@ -7263,6 +7311,9 @@
                         <m:sSubSupPr>
                           <m:ctrlPr>
                             <a:rPr lang="en-US" sz="2000" i="1" smtClean="0">
+                              <a:solidFill>
+                                <a:schemeClr val="tx1"/>
+                              </a:solidFill>
                               <a:latin typeface="Cambria Math" panose="02040503050406030204" pitchFamily="18" charset="0"/>
                             </a:rPr>
                           </m:ctrlPr>
@@ -7270,6 +7321,9 @@
                         <m:e>
                           <m:r>
                             <a:rPr lang="it-IT" sz="2000" i="1">
+                              <a:solidFill>
+                                <a:schemeClr val="tx1"/>
+                              </a:solidFill>
                               <a:latin typeface="Cambria Math" panose="02040503050406030204" pitchFamily="18" charset="0"/>
                             </a:rPr>
                             <m:t>𝑥</m:t>
@@ -7278,24 +7332,36 @@
                         <m:sub>
                           <m:r>
                             <a:rPr lang="it-IT" sz="2000" i="1">
+                              <a:solidFill>
+                                <a:schemeClr val="tx1"/>
+                              </a:solidFill>
                               <a:latin typeface="Cambria Math" panose="02040503050406030204" pitchFamily="18" charset="0"/>
                             </a:rPr>
                             <m:t>𝑖</m:t>
                           </m:r>
                           <m:r>
                             <a:rPr lang="it-IT" sz="2000" b="0" i="1" smtClean="0">
+                              <a:solidFill>
+                                <a:schemeClr val="tx1"/>
+                              </a:solidFill>
                               <a:latin typeface="Cambria Math" panose="02040503050406030204" pitchFamily="18" charset="0"/>
                             </a:rPr>
                             <m:t>,</m:t>
                           </m:r>
                           <m:r>
                             <a:rPr lang="it-IT" sz="2000" b="0" i="1" smtClean="0">
+                              <a:solidFill>
+                                <a:schemeClr val="tx1"/>
+                              </a:solidFill>
                               <a:latin typeface="Cambria Math" panose="02040503050406030204" pitchFamily="18" charset="0"/>
                             </a:rPr>
                             <m:t>𝑖</m:t>
                           </m:r>
                           <m:r>
                             <a:rPr lang="it-IT" sz="2000" b="0" i="1" smtClean="0">
+                              <a:solidFill>
+                                <a:schemeClr val="tx1"/>
+                              </a:solidFill>
                               <a:latin typeface="Cambria Math" panose="02040503050406030204" pitchFamily="18" charset="0"/>
                             </a:rPr>
                             <m:t>+1</m:t>
@@ -7304,6 +7370,9 @@
                         <m:sup>
                           <m:r>
                             <a:rPr lang="it-IT" sz="2000" i="1">
+                              <a:solidFill>
+                                <a:schemeClr val="tx1"/>
+                              </a:solidFill>
                               <a:latin typeface="Cambria Math" panose="02040503050406030204" pitchFamily="18" charset="0"/>
                             </a:rPr>
                             <m:t>1</m:t>
@@ -7313,7 +7382,11 @@
                     </m:oMath>
                   </m:oMathPara>
                 </a14:m>
-                <a:endParaRPr lang="en-US" sz="2000" dirty="0"/>
+                <a:endParaRPr lang="en-US" sz="2000" dirty="0">
+                  <a:solidFill>
+                    <a:schemeClr val="tx1"/>
+                  </a:solidFill>
+                </a:endParaRPr>
               </a:p>
             </p:txBody>
           </p:sp>
@@ -7342,14 +7415,14 @@
                 <a:avLst/>
               </a:prstGeom>
               <a:blipFill>
-                <a:blip r:embed="rId3"/>
+                <a:blip r:embed="rId4"/>
                 <a:stretch>
                   <a:fillRect l="-5357"/>
                 </a:stretch>
               </a:blipFill>
               <a:ln w="28575" cap="flat" cmpd="sng" algn="ctr">
                 <a:solidFill>
-                  <a:schemeClr val="accent1"/>
+                  <a:schemeClr val="tx1"/>
                 </a:solidFill>
                 <a:prstDash val="solid"/>
                 <a:round/>
@@ -7397,7 +7470,7 @@
               <a:noFill/>
               <a:ln w="28575" cap="flat" cmpd="sng" algn="ctr">
                 <a:solidFill>
-                  <a:schemeClr val="accent1"/>
+                  <a:schemeClr val="tx1"/>
                 </a:solidFill>
                 <a:prstDash val="solid"/>
                 <a:round/>
@@ -7434,6 +7507,9 @@
                         <m:sSubSupPr>
                           <m:ctrlPr>
                             <a:rPr lang="en-US" sz="2000" i="1" smtClean="0">
+                              <a:solidFill>
+                                <a:schemeClr val="tx1"/>
+                              </a:solidFill>
                               <a:latin typeface="Cambria Math" panose="02040503050406030204" pitchFamily="18" charset="0"/>
                             </a:rPr>
                           </m:ctrlPr>
@@ -7441,6 +7517,9 @@
                         <m:e>
                           <m:r>
                             <a:rPr lang="it-IT" sz="2000" i="1">
+                              <a:solidFill>
+                                <a:schemeClr val="tx1"/>
+                              </a:solidFill>
                               <a:latin typeface="Cambria Math" panose="02040503050406030204" pitchFamily="18" charset="0"/>
                             </a:rPr>
                             <m:t>𝑥</m:t>
@@ -7449,24 +7528,36 @@
                         <m:sub>
                           <m:r>
                             <a:rPr lang="it-IT" sz="2000" i="1">
+                              <a:solidFill>
+                                <a:schemeClr val="tx1"/>
+                              </a:solidFill>
                               <a:latin typeface="Cambria Math" panose="02040503050406030204" pitchFamily="18" charset="0"/>
                             </a:rPr>
                             <m:t>𝑖</m:t>
                           </m:r>
                           <m:r>
                             <a:rPr lang="it-IT" sz="2000" i="1">
+                              <a:solidFill>
+                                <a:schemeClr val="tx1"/>
+                              </a:solidFill>
                               <a:latin typeface="Cambria Math" panose="02040503050406030204" pitchFamily="18" charset="0"/>
                             </a:rPr>
                             <m:t>,</m:t>
                           </m:r>
                           <m:r>
                             <a:rPr lang="it-IT" sz="2000" b="0" i="1" smtClean="0">
+                              <a:solidFill>
+                                <a:schemeClr val="tx1"/>
+                              </a:solidFill>
                               <a:latin typeface="Cambria Math" panose="02040503050406030204" pitchFamily="18" charset="0"/>
                             </a:rPr>
                             <m:t>𝑖</m:t>
                           </m:r>
                           <m:r>
                             <a:rPr lang="it-IT" sz="2000" b="0" i="1" smtClean="0">
+                              <a:solidFill>
+                                <a:schemeClr val="tx1"/>
+                              </a:solidFill>
                               <a:latin typeface="Cambria Math" panose="02040503050406030204" pitchFamily="18" charset="0"/>
                             </a:rPr>
                             <m:t>+1</m:t>
@@ -7475,6 +7566,9 @@
                         <m:sup>
                           <m:r>
                             <a:rPr lang="it-IT" sz="2000" i="1">
+                              <a:solidFill>
+                                <a:schemeClr val="tx1"/>
+                              </a:solidFill>
                               <a:latin typeface="Cambria Math" panose="02040503050406030204" pitchFamily="18" charset="0"/>
                             </a:rPr>
                             <m:t>1</m:t>
@@ -7484,7 +7578,11 @@
                     </m:oMath>
                   </m:oMathPara>
                 </a14:m>
-                <a:endParaRPr lang="en-US" sz="2000" dirty="0"/>
+                <a:endParaRPr lang="en-US" sz="2000" dirty="0">
+                  <a:solidFill>
+                    <a:schemeClr val="tx1"/>
+                  </a:solidFill>
+                </a:endParaRPr>
               </a:p>
             </p:txBody>
           </p:sp>
@@ -7513,14 +7611,14 @@
                 <a:avLst/>
               </a:prstGeom>
               <a:blipFill>
-                <a:blip r:embed="rId4"/>
+                <a:blip r:embed="rId5"/>
                 <a:stretch>
                   <a:fillRect l="-3571"/>
                 </a:stretch>
               </a:blipFill>
               <a:ln w="28575" cap="flat" cmpd="sng" algn="ctr">
                 <a:solidFill>
-                  <a:schemeClr val="accent1"/>
+                  <a:schemeClr val="tx1"/>
                 </a:solidFill>
                 <a:prstDash val="solid"/>
                 <a:round/>
@@ -7568,7 +7666,7 @@
               <a:noFill/>
               <a:ln w="28575" cap="flat" cmpd="sng" algn="ctr">
                 <a:solidFill>
-                  <a:schemeClr val="accent1"/>
+                  <a:schemeClr val="tx1"/>
                 </a:solidFill>
                 <a:prstDash val="solid"/>
                 <a:round/>
@@ -7605,6 +7703,9 @@
                         <m:sSubSupPr>
                           <m:ctrlPr>
                             <a:rPr lang="en-US" sz="2000" i="1" smtClean="0">
+                              <a:solidFill>
+                                <a:schemeClr val="tx1"/>
+                              </a:solidFill>
                               <a:latin typeface="Cambria Math" panose="02040503050406030204" pitchFamily="18" charset="0"/>
                             </a:rPr>
                           </m:ctrlPr>
@@ -7612,6 +7713,9 @@
                         <m:e>
                           <m:r>
                             <a:rPr lang="it-IT" sz="2000" i="1">
+                              <a:solidFill>
+                                <a:schemeClr val="tx1"/>
+                              </a:solidFill>
                               <a:latin typeface="Cambria Math" panose="02040503050406030204" pitchFamily="18" charset="0"/>
                             </a:rPr>
                             <m:t>𝑥</m:t>
@@ -7620,18 +7724,27 @@
                         <m:sub>
                           <m:r>
                             <a:rPr lang="it-IT" sz="2000" i="1">
+                              <a:solidFill>
+                                <a:schemeClr val="tx1"/>
+                              </a:solidFill>
                               <a:latin typeface="Cambria Math" panose="02040503050406030204" pitchFamily="18" charset="0"/>
                             </a:rPr>
                             <m:t>𝑖</m:t>
                           </m:r>
                           <m:r>
                             <a:rPr lang="it-IT" sz="2000" i="1">
+                              <a:solidFill>
+                                <a:schemeClr val="tx1"/>
+                              </a:solidFill>
                               <a:latin typeface="Cambria Math" panose="02040503050406030204" pitchFamily="18" charset="0"/>
                             </a:rPr>
                             <m:t>,</m:t>
                           </m:r>
                           <m:r>
                             <a:rPr lang="it-IT" sz="2000" b="0" i="1" smtClean="0">
+                              <a:solidFill>
+                                <a:schemeClr val="tx1"/>
+                              </a:solidFill>
                               <a:latin typeface="Cambria Math" panose="02040503050406030204" pitchFamily="18" charset="0"/>
                             </a:rPr>
                             <m:t>𝑁</m:t>
@@ -7640,6 +7753,9 @@
                         <m:sup>
                           <m:r>
                             <a:rPr lang="it-IT" sz="2000" i="1">
+                              <a:solidFill>
+                                <a:schemeClr val="tx1"/>
+                              </a:solidFill>
                               <a:latin typeface="Cambria Math" panose="02040503050406030204" pitchFamily="18" charset="0"/>
                             </a:rPr>
                             <m:t>1</m:t>
@@ -7649,7 +7765,11 @@
                     </m:oMath>
                   </m:oMathPara>
                 </a14:m>
-                <a:endParaRPr lang="en-US" sz="2000" dirty="0"/>
+                <a:endParaRPr lang="en-US" sz="2000" dirty="0">
+                  <a:solidFill>
+                    <a:schemeClr val="tx1"/>
+                  </a:solidFill>
+                </a:endParaRPr>
               </a:p>
             </p:txBody>
           </p:sp>
@@ -7678,14 +7798,14 @@
                 <a:avLst/>
               </a:prstGeom>
               <a:blipFill>
-                <a:blip r:embed="rId5"/>
+                <a:blip r:embed="rId6"/>
                 <a:stretch>
                   <a:fillRect/>
                 </a:stretch>
               </a:blipFill>
               <a:ln w="28575" cap="flat" cmpd="sng" algn="ctr">
                 <a:solidFill>
-                  <a:schemeClr val="accent1"/>
+                  <a:schemeClr val="tx1"/>
                 </a:solidFill>
                 <a:prstDash val="solid"/>
                 <a:round/>
@@ -7732,7 +7852,7 @@
           </a:prstGeom>
           <a:ln w="82550" cap="rnd">
             <a:solidFill>
-              <a:schemeClr val="accent5"/>
+              <a:schemeClr val="tx1"/>
             </a:solidFill>
             <a:prstDash val="sysDot"/>
           </a:ln>
@@ -7754,39 +7874,1078 @@
       </p:cxnSp>
       <p:sp>
         <p:nvSpPr>
-          <p:cNvPr id="111" name="CasellaDiTesto 110">
-            <a:extLst>
-              <a:ext uri="{FF2B5EF4-FFF2-40B4-BE49-F238E27FC236}">
-                <a16:creationId xmlns:a16="http://schemas.microsoft.com/office/drawing/2014/main" id="{6BFF2DA1-D1BD-C0EF-D834-46C7BEB38695}"/>
-              </a:ext>
-            </a:extLst>
-          </p:cNvPr>
-          <p:cNvSpPr txBox="1"/>
+          <p:cNvPr id="114" name="Rettangolo con angoli arrotondati 113">
+            <a:extLst>
+              <a:ext uri="{FF2B5EF4-FFF2-40B4-BE49-F238E27FC236}">
+                <a16:creationId xmlns:a16="http://schemas.microsoft.com/office/drawing/2014/main" id="{A3F0636C-180D-1DEF-A50E-08DAEF63620C}"/>
+              </a:ext>
+            </a:extLst>
+          </p:cNvPr>
+          <p:cNvSpPr/>
           <p:nvPr/>
         </p:nvSpPr>
         <p:spPr>
           <a:xfrm>
-            <a:off x="7858890" y="351456"/>
-            <a:ext cx="3656835" cy="584775"/>
-          </a:xfrm>
-          <a:prstGeom prst="rect">
+            <a:off x="8206804" y="1933599"/>
+            <a:ext cx="524067" cy="521309"/>
+          </a:xfrm>
+          <a:prstGeom prst="roundRect">
+            <a:avLst/>
+          </a:prstGeom>
+          <a:ln w="28575"/>
+        </p:spPr>
+        <p:style>
+          <a:lnRef idx="2">
+            <a:schemeClr val="dk1"/>
+          </a:lnRef>
+          <a:fillRef idx="1">
+            <a:schemeClr val="lt1"/>
+          </a:fillRef>
+          <a:effectRef idx="0">
+            <a:schemeClr val="dk1"/>
+          </a:effectRef>
+          <a:fontRef idx="minor">
+            <a:schemeClr val="dk1"/>
+          </a:fontRef>
+        </p:style>
+        <p:txBody>
+          <a:bodyPr lIns="0" rIns="0" rtlCol="0" anchor="ctr"/>
+          <a:lstStyle/>
+          <a:p>
+            <a:pPr algn="ctr" defTabSz="446400"/>
+            <a:r>
+              <a:rPr lang="en-US" sz="2000" dirty="0">
+                <a:solidFill>
+                  <a:schemeClr val="tx1"/>
+                </a:solidFill>
+              </a:rPr>
+              <a:t>ln𝞂</a:t>
+            </a:r>
+          </a:p>
+        </p:txBody>
+      </p:sp>
+      <p:sp>
+        <p:nvSpPr>
+          <p:cNvPr id="117" name="Ovale 116">
+            <a:extLst>
+              <a:ext uri="{FF2B5EF4-FFF2-40B4-BE49-F238E27FC236}">
+                <a16:creationId xmlns:a16="http://schemas.microsoft.com/office/drawing/2014/main" id="{8263DA7F-E05F-B3C7-8B4B-6752A2685245}"/>
+              </a:ext>
+            </a:extLst>
+          </p:cNvPr>
+          <p:cNvSpPr/>
+          <p:nvPr/>
+        </p:nvSpPr>
+        <p:spPr>
+          <a:xfrm>
+            <a:off x="6858973" y="2599153"/>
+            <a:ext cx="524067" cy="521309"/>
+          </a:xfrm>
+          <a:prstGeom prst="ellipse">
+            <a:avLst/>
+          </a:prstGeom>
+          <a:solidFill>
+            <a:schemeClr val="dk1">
+              <a:alpha val="38000"/>
+            </a:schemeClr>
+          </a:solidFill>
+          <a:ln w="28575"/>
+        </p:spPr>
+        <p:style>
+          <a:lnRef idx="3">
+            <a:schemeClr val="lt1"/>
+          </a:lnRef>
+          <a:fillRef idx="1">
+            <a:schemeClr val="dk1"/>
+          </a:fillRef>
+          <a:effectRef idx="1">
+            <a:schemeClr val="dk1"/>
+          </a:effectRef>
+          <a:fontRef idx="minor">
+            <a:schemeClr val="lt1"/>
+          </a:fontRef>
+        </p:style>
+        <p:txBody>
+          <a:bodyPr rtlCol="0" anchor="ctr"/>
+          <a:lstStyle/>
+          <a:p>
+            <a:pPr algn="ctr"/>
+            <a:endParaRPr lang="en-US" sz="2000"/>
+          </a:p>
+        </p:txBody>
+      </p:sp>
+      <p:sp>
+        <p:nvSpPr>
+          <p:cNvPr id="118" name="Ovale 117">
+            <a:extLst>
+              <a:ext uri="{FF2B5EF4-FFF2-40B4-BE49-F238E27FC236}">
+                <a16:creationId xmlns:a16="http://schemas.microsoft.com/office/drawing/2014/main" id="{7CEC6DE6-BB73-E1A9-D1C5-EAC157AFCA4D}"/>
+              </a:ext>
+            </a:extLst>
+          </p:cNvPr>
+          <p:cNvSpPr/>
+          <p:nvPr/>
+        </p:nvSpPr>
+        <p:spPr>
+          <a:xfrm>
+            <a:off x="6856664" y="3281845"/>
+            <a:ext cx="524067" cy="521309"/>
+          </a:xfrm>
+          <a:prstGeom prst="ellipse">
+            <a:avLst/>
+          </a:prstGeom>
+          <a:solidFill>
+            <a:schemeClr val="dk1">
+              <a:alpha val="38000"/>
+            </a:schemeClr>
+          </a:solidFill>
+          <a:ln w="28575"/>
+        </p:spPr>
+        <p:style>
+          <a:lnRef idx="3">
+            <a:schemeClr val="lt1"/>
+          </a:lnRef>
+          <a:fillRef idx="1">
+            <a:schemeClr val="dk1"/>
+          </a:fillRef>
+          <a:effectRef idx="1">
+            <a:schemeClr val="dk1"/>
+          </a:effectRef>
+          <a:fontRef idx="minor">
+            <a:schemeClr val="lt1"/>
+          </a:fontRef>
+        </p:style>
+        <p:txBody>
+          <a:bodyPr rtlCol="0" anchor="ctr"/>
+          <a:lstStyle/>
+          <a:p>
+            <a:pPr algn="ctr"/>
+            <a:endParaRPr lang="en-US" sz="2000"/>
+          </a:p>
+        </p:txBody>
+      </p:sp>
+      <p:sp>
+        <p:nvSpPr>
+          <p:cNvPr id="119" name="Ovale 118">
+            <a:extLst>
+              <a:ext uri="{FF2B5EF4-FFF2-40B4-BE49-F238E27FC236}">
+                <a16:creationId xmlns:a16="http://schemas.microsoft.com/office/drawing/2014/main" id="{C27ABF92-8CEE-9EE8-09F9-48FC3EC3EF4E}"/>
+              </a:ext>
+            </a:extLst>
+          </p:cNvPr>
+          <p:cNvSpPr/>
+          <p:nvPr/>
+        </p:nvSpPr>
+        <p:spPr>
+          <a:xfrm>
+            <a:off x="6854434" y="3905950"/>
+            <a:ext cx="524067" cy="521309"/>
+          </a:xfrm>
+          <a:prstGeom prst="ellipse">
+            <a:avLst/>
+          </a:prstGeom>
+          <a:solidFill>
+            <a:schemeClr val="dk1">
+              <a:alpha val="38000"/>
+            </a:schemeClr>
+          </a:solidFill>
+          <a:ln w="28575"/>
+        </p:spPr>
+        <p:style>
+          <a:lnRef idx="3">
+            <a:schemeClr val="lt1"/>
+          </a:lnRef>
+          <a:fillRef idx="1">
+            <a:schemeClr val="dk1"/>
+          </a:fillRef>
+          <a:effectRef idx="1">
+            <a:schemeClr val="dk1"/>
+          </a:effectRef>
+          <a:fontRef idx="minor">
+            <a:schemeClr val="lt1"/>
+          </a:fontRef>
+        </p:style>
+        <p:txBody>
+          <a:bodyPr rtlCol="0" anchor="ctr"/>
+          <a:lstStyle/>
+          <a:p>
+            <a:pPr algn="ctr"/>
+            <a:endParaRPr lang="en-US" sz="2000"/>
+          </a:p>
+        </p:txBody>
+      </p:sp>
+      <p:sp>
+        <p:nvSpPr>
+          <p:cNvPr id="120" name="Ovale 119">
+            <a:extLst>
+              <a:ext uri="{FF2B5EF4-FFF2-40B4-BE49-F238E27FC236}">
+                <a16:creationId xmlns:a16="http://schemas.microsoft.com/office/drawing/2014/main" id="{00A49F38-07AC-F2D0-7DC0-B6D0A3F3F74A}"/>
+              </a:ext>
+            </a:extLst>
+          </p:cNvPr>
+          <p:cNvSpPr/>
+          <p:nvPr/>
+        </p:nvSpPr>
+        <p:spPr>
+          <a:xfrm>
+            <a:off x="6854434" y="4573016"/>
+            <a:ext cx="524067" cy="521309"/>
+          </a:xfrm>
+          <a:prstGeom prst="ellipse">
+            <a:avLst/>
+          </a:prstGeom>
+          <a:solidFill>
+            <a:schemeClr val="dk1">
+              <a:alpha val="38000"/>
+            </a:schemeClr>
+          </a:solidFill>
+          <a:ln w="28575"/>
+        </p:spPr>
+        <p:style>
+          <a:lnRef idx="3">
+            <a:schemeClr val="lt1"/>
+          </a:lnRef>
+          <a:fillRef idx="1">
+            <a:schemeClr val="dk1"/>
+          </a:fillRef>
+          <a:effectRef idx="1">
+            <a:schemeClr val="dk1"/>
+          </a:effectRef>
+          <a:fontRef idx="minor">
+            <a:schemeClr val="lt1"/>
+          </a:fontRef>
+        </p:style>
+        <p:txBody>
+          <a:bodyPr rtlCol="0" anchor="ctr"/>
+          <a:lstStyle/>
+          <a:p>
+            <a:pPr algn="ctr"/>
+            <a:endParaRPr lang="en-US" sz="2000"/>
+          </a:p>
+        </p:txBody>
+      </p:sp>
+      <p:sp>
+        <p:nvSpPr>
+          <p:cNvPr id="121" name="Ovale 120">
+            <a:extLst>
+              <a:ext uri="{FF2B5EF4-FFF2-40B4-BE49-F238E27FC236}">
+                <a16:creationId xmlns:a16="http://schemas.microsoft.com/office/drawing/2014/main" id="{5EB9AE31-EE1A-785B-8DBF-BC327A5A4671}"/>
+              </a:ext>
+            </a:extLst>
+          </p:cNvPr>
+          <p:cNvSpPr/>
+          <p:nvPr/>
+        </p:nvSpPr>
+        <p:spPr>
+          <a:xfrm>
+            <a:off x="6852125" y="5187473"/>
+            <a:ext cx="524067" cy="521309"/>
+          </a:xfrm>
+          <a:prstGeom prst="ellipse">
+            <a:avLst/>
+          </a:prstGeom>
+          <a:solidFill>
+            <a:schemeClr val="dk1">
+              <a:alpha val="38000"/>
+            </a:schemeClr>
+          </a:solidFill>
+          <a:ln w="28575"/>
+        </p:spPr>
+        <p:style>
+          <a:lnRef idx="3">
+            <a:schemeClr val="lt1"/>
+          </a:lnRef>
+          <a:fillRef idx="1">
+            <a:schemeClr val="dk1"/>
+          </a:fillRef>
+          <a:effectRef idx="1">
+            <a:schemeClr val="dk1"/>
+          </a:effectRef>
+          <a:fontRef idx="minor">
+            <a:schemeClr val="lt1"/>
+          </a:fontRef>
+        </p:style>
+        <p:txBody>
+          <a:bodyPr rtlCol="0" anchor="ctr"/>
+          <a:lstStyle/>
+          <a:p>
+            <a:pPr algn="ctr"/>
+            <a:endParaRPr lang="en-US" sz="2000"/>
+          </a:p>
+        </p:txBody>
+      </p:sp>
+      <p:sp>
+        <p:nvSpPr>
+          <p:cNvPr id="128" name="Rettangolo con angoli arrotondati 127">
+            <a:extLst>
+              <a:ext uri="{FF2B5EF4-FFF2-40B4-BE49-F238E27FC236}">
+                <a16:creationId xmlns:a16="http://schemas.microsoft.com/office/drawing/2014/main" id="{1B30D038-EB58-7F7F-5D66-6B745FE19C16}"/>
+              </a:ext>
+            </a:extLst>
+          </p:cNvPr>
+          <p:cNvSpPr/>
+          <p:nvPr/>
+        </p:nvSpPr>
+        <p:spPr>
+          <a:xfrm>
+            <a:off x="8216182" y="2606327"/>
+            <a:ext cx="524067" cy="521309"/>
+          </a:xfrm>
+          <a:prstGeom prst="roundRect">
+            <a:avLst/>
+          </a:prstGeom>
+          <a:ln w="28575"/>
+        </p:spPr>
+        <p:style>
+          <a:lnRef idx="2">
+            <a:schemeClr val="dk1"/>
+          </a:lnRef>
+          <a:fillRef idx="1">
+            <a:schemeClr val="lt1"/>
+          </a:fillRef>
+          <a:effectRef idx="0">
+            <a:schemeClr val="dk1"/>
+          </a:effectRef>
+          <a:fontRef idx="minor">
+            <a:schemeClr val="dk1"/>
+          </a:fontRef>
+        </p:style>
+        <p:txBody>
+          <a:bodyPr lIns="0" rIns="0" rtlCol="0" anchor="ctr"/>
+          <a:lstStyle/>
+          <a:p>
+            <a:pPr algn="ctr" defTabSz="446400"/>
+            <a:r>
+              <a:rPr lang="en-US" sz="2000" dirty="0">
+                <a:solidFill>
+                  <a:schemeClr val="tx1"/>
+                </a:solidFill>
+              </a:rPr>
+              <a:t>ln𝞂</a:t>
+            </a:r>
+          </a:p>
+        </p:txBody>
+      </p:sp>
+      <p:sp>
+        <p:nvSpPr>
+          <p:cNvPr id="130" name="Rettangolo con angoli arrotondati 129">
+            <a:extLst>
+              <a:ext uri="{FF2B5EF4-FFF2-40B4-BE49-F238E27FC236}">
+                <a16:creationId xmlns:a16="http://schemas.microsoft.com/office/drawing/2014/main" id="{CDEC0D5C-962E-C32A-59EB-71E92D975135}"/>
+              </a:ext>
+            </a:extLst>
+          </p:cNvPr>
+          <p:cNvSpPr/>
+          <p:nvPr/>
+        </p:nvSpPr>
+        <p:spPr>
+          <a:xfrm>
+            <a:off x="8224821" y="3252103"/>
+            <a:ext cx="524067" cy="521309"/>
+          </a:xfrm>
+          <a:prstGeom prst="roundRect">
+            <a:avLst/>
+          </a:prstGeom>
+          <a:ln w="28575"/>
+        </p:spPr>
+        <p:style>
+          <a:lnRef idx="2">
+            <a:schemeClr val="dk1"/>
+          </a:lnRef>
+          <a:fillRef idx="1">
+            <a:schemeClr val="lt1"/>
+          </a:fillRef>
+          <a:effectRef idx="0">
+            <a:schemeClr val="dk1"/>
+          </a:effectRef>
+          <a:fontRef idx="minor">
+            <a:schemeClr val="dk1"/>
+          </a:fontRef>
+        </p:style>
+        <p:txBody>
+          <a:bodyPr lIns="0" rIns="0" rtlCol="0" anchor="ctr"/>
+          <a:lstStyle/>
+          <a:p>
+            <a:pPr algn="ctr" defTabSz="446400"/>
+            <a:r>
+              <a:rPr lang="en-US" sz="2000" dirty="0">
+                <a:solidFill>
+                  <a:schemeClr val="tx1"/>
+                </a:solidFill>
+              </a:rPr>
+              <a:t>ln𝞂</a:t>
+            </a:r>
+          </a:p>
+        </p:txBody>
+      </p:sp>
+      <p:sp>
+        <p:nvSpPr>
+          <p:cNvPr id="131" name="Rettangolo con angoli arrotondati 130">
+            <a:extLst>
+              <a:ext uri="{FF2B5EF4-FFF2-40B4-BE49-F238E27FC236}">
+                <a16:creationId xmlns:a16="http://schemas.microsoft.com/office/drawing/2014/main" id="{27CA70CB-055A-C95C-A92D-2345C4D7ABC8}"/>
+              </a:ext>
+            </a:extLst>
+          </p:cNvPr>
+          <p:cNvSpPr/>
+          <p:nvPr/>
+        </p:nvSpPr>
+        <p:spPr>
+          <a:xfrm>
+            <a:off x="8208931" y="3887165"/>
+            <a:ext cx="524067" cy="521309"/>
+          </a:xfrm>
+          <a:prstGeom prst="roundRect">
+            <a:avLst/>
+          </a:prstGeom>
+          <a:ln w="28575"/>
+        </p:spPr>
+        <p:style>
+          <a:lnRef idx="2">
+            <a:schemeClr val="dk1"/>
+          </a:lnRef>
+          <a:fillRef idx="1">
+            <a:schemeClr val="lt1"/>
+          </a:fillRef>
+          <a:effectRef idx="0">
+            <a:schemeClr val="dk1"/>
+          </a:effectRef>
+          <a:fontRef idx="minor">
+            <a:schemeClr val="dk1"/>
+          </a:fontRef>
+        </p:style>
+        <p:txBody>
+          <a:bodyPr lIns="0" rIns="0" rtlCol="0" anchor="ctr"/>
+          <a:lstStyle/>
+          <a:p>
+            <a:pPr algn="ctr" defTabSz="446400"/>
+            <a:r>
+              <a:rPr lang="en-US" sz="2000" dirty="0">
+                <a:solidFill>
+                  <a:schemeClr val="tx1"/>
+                </a:solidFill>
+              </a:rPr>
+              <a:t>ln𝞂</a:t>
+            </a:r>
+          </a:p>
+        </p:txBody>
+      </p:sp>
+      <p:sp>
+        <p:nvSpPr>
+          <p:cNvPr id="132" name="Rettangolo con angoli arrotondati 131">
+            <a:extLst>
+              <a:ext uri="{FF2B5EF4-FFF2-40B4-BE49-F238E27FC236}">
+                <a16:creationId xmlns:a16="http://schemas.microsoft.com/office/drawing/2014/main" id="{C79C0B50-0B52-7B1F-AD14-44B948C2B918}"/>
+              </a:ext>
+            </a:extLst>
+          </p:cNvPr>
+          <p:cNvSpPr/>
+          <p:nvPr/>
+        </p:nvSpPr>
+        <p:spPr>
+          <a:xfrm>
+            <a:off x="8218309" y="4559893"/>
+            <a:ext cx="524067" cy="521309"/>
+          </a:xfrm>
+          <a:prstGeom prst="roundRect">
+            <a:avLst/>
+          </a:prstGeom>
+          <a:ln w="28575"/>
+        </p:spPr>
+        <p:style>
+          <a:lnRef idx="2">
+            <a:schemeClr val="dk1"/>
+          </a:lnRef>
+          <a:fillRef idx="1">
+            <a:schemeClr val="lt1"/>
+          </a:fillRef>
+          <a:effectRef idx="0">
+            <a:schemeClr val="dk1"/>
+          </a:effectRef>
+          <a:fontRef idx="minor">
+            <a:schemeClr val="dk1"/>
+          </a:fontRef>
+        </p:style>
+        <p:txBody>
+          <a:bodyPr lIns="0" rIns="0" rtlCol="0" anchor="ctr"/>
+          <a:lstStyle/>
+          <a:p>
+            <a:pPr algn="ctr" defTabSz="446400"/>
+            <a:r>
+              <a:rPr lang="en-US" sz="2000" dirty="0">
+                <a:solidFill>
+                  <a:schemeClr val="tx1"/>
+                </a:solidFill>
+              </a:rPr>
+              <a:t>ln𝞂</a:t>
+            </a:r>
+          </a:p>
+        </p:txBody>
+      </p:sp>
+      <p:sp>
+        <p:nvSpPr>
+          <p:cNvPr id="133" name="Rettangolo con angoli arrotondati 132">
+            <a:extLst>
+              <a:ext uri="{FF2B5EF4-FFF2-40B4-BE49-F238E27FC236}">
+                <a16:creationId xmlns:a16="http://schemas.microsoft.com/office/drawing/2014/main" id="{3F2BF476-FAFB-74CE-9337-8CFE07280935}"/>
+              </a:ext>
+            </a:extLst>
+          </p:cNvPr>
+          <p:cNvSpPr/>
+          <p:nvPr/>
+        </p:nvSpPr>
+        <p:spPr>
+          <a:xfrm>
+            <a:off x="8226948" y="5205669"/>
+            <a:ext cx="524067" cy="521309"/>
+          </a:xfrm>
+          <a:prstGeom prst="roundRect">
+            <a:avLst/>
+          </a:prstGeom>
+          <a:ln w="28575"/>
+        </p:spPr>
+        <p:style>
+          <a:lnRef idx="2">
+            <a:schemeClr val="dk1"/>
+          </a:lnRef>
+          <a:fillRef idx="1">
+            <a:schemeClr val="lt1"/>
+          </a:fillRef>
+          <a:effectRef idx="0">
+            <a:schemeClr val="dk1"/>
+          </a:effectRef>
+          <a:fontRef idx="minor">
+            <a:schemeClr val="dk1"/>
+          </a:fontRef>
+        </p:style>
+        <p:txBody>
+          <a:bodyPr lIns="0" rIns="0" rtlCol="0" anchor="ctr"/>
+          <a:lstStyle/>
+          <a:p>
+            <a:pPr algn="ctr" defTabSz="446400"/>
+            <a:r>
+              <a:rPr lang="en-US" sz="2000" dirty="0">
+                <a:solidFill>
+                  <a:schemeClr val="tx1"/>
+                </a:solidFill>
+              </a:rPr>
+              <a:t>ln𝞂</a:t>
+            </a:r>
+          </a:p>
+        </p:txBody>
+      </p:sp>
+      <p:cxnSp>
+        <p:nvCxnSpPr>
+          <p:cNvPr id="140" name="Connettore 1 139">
+            <a:extLst>
+              <a:ext uri="{FF2B5EF4-FFF2-40B4-BE49-F238E27FC236}">
+                <a16:creationId xmlns:a16="http://schemas.microsoft.com/office/drawing/2014/main" id="{C2237577-8503-07AE-CC32-9427B2F5CA6F}"/>
+              </a:ext>
+            </a:extLst>
+          </p:cNvPr>
+          <p:cNvCxnSpPr>
+            <a:cxnSpLocks/>
+            <a:endCxn id="50" idx="6"/>
+          </p:cNvCxnSpPr>
+          <p:nvPr/>
+        </p:nvCxnSpPr>
+        <p:spPr>
+          <a:xfrm flipH="1">
+            <a:off x="7383040" y="2231963"/>
+            <a:ext cx="299692" cy="0"/>
+          </a:xfrm>
+          <a:prstGeom prst="line">
             <a:avLst/>
           </a:prstGeom>
           <a:noFill/>
-        </p:spPr>
-        <p:txBody>
-          <a:bodyPr wrap="none" rtlCol="0">
-            <a:spAutoFit/>
-          </a:bodyPr>
+          <a:ln w="28575" cap="flat" cmpd="sng" algn="ctr">
+            <a:gradFill>
+              <a:gsLst>
+                <a:gs pos="0">
+                  <a:schemeClr val="bg1"/>
+                </a:gs>
+                <a:gs pos="74000">
+                  <a:schemeClr val="bg2">
+                    <a:lumMod val="90000"/>
+                  </a:schemeClr>
+                </a:gs>
+                <a:gs pos="83000">
+                  <a:schemeClr val="bg2">
+                    <a:lumMod val="75000"/>
+                  </a:schemeClr>
+                </a:gs>
+                <a:gs pos="100000">
+                  <a:schemeClr val="bg2">
+                    <a:lumMod val="50000"/>
+                  </a:schemeClr>
+                </a:gs>
+              </a:gsLst>
+              <a:lin ang="5400000" scaled="1"/>
+            </a:gradFill>
+            <a:prstDash val="solid"/>
+            <a:round/>
+            <a:headEnd type="none" w="med" len="med"/>
+            <a:tailEnd type="none" w="med" len="med"/>
+          </a:ln>
+        </p:spPr>
+        <p:style>
+          <a:lnRef idx="0">
+            <a:scrgbClr r="0" g="0" b="0"/>
+          </a:lnRef>
+          <a:fillRef idx="0">
+            <a:scrgbClr r="0" g="0" b="0"/>
+          </a:fillRef>
+          <a:effectRef idx="0">
+            <a:scrgbClr r="0" g="0" b="0"/>
+          </a:effectRef>
+          <a:fontRef idx="minor">
+            <a:schemeClr val="tx1"/>
+          </a:fontRef>
+        </p:style>
+      </p:cxnSp>
+      <p:cxnSp>
+        <p:nvCxnSpPr>
+          <p:cNvPr id="141" name="Connettore 1 140">
+            <a:extLst>
+              <a:ext uri="{FF2B5EF4-FFF2-40B4-BE49-F238E27FC236}">
+                <a16:creationId xmlns:a16="http://schemas.microsoft.com/office/drawing/2014/main" id="{F817E62F-D557-8F06-5350-AA2D4817617A}"/>
+              </a:ext>
+            </a:extLst>
+          </p:cNvPr>
+          <p:cNvCxnSpPr>
+            <a:cxnSpLocks/>
+            <a:stCxn id="117" idx="6"/>
+          </p:cNvCxnSpPr>
+          <p:nvPr/>
+        </p:nvCxnSpPr>
+        <p:spPr>
+          <a:xfrm flipV="1">
+            <a:off x="7383040" y="2859807"/>
+            <a:ext cx="307389" cy="1"/>
+          </a:xfrm>
+          <a:prstGeom prst="line">
+            <a:avLst/>
+          </a:prstGeom>
+          <a:noFill/>
+          <a:ln w="28575" cap="flat" cmpd="sng" algn="ctr">
+            <a:gradFill>
+              <a:gsLst>
+                <a:gs pos="0">
+                  <a:schemeClr val="bg1"/>
+                </a:gs>
+                <a:gs pos="74000">
+                  <a:schemeClr val="bg2">
+                    <a:lumMod val="90000"/>
+                  </a:schemeClr>
+                </a:gs>
+                <a:gs pos="83000">
+                  <a:schemeClr val="bg2">
+                    <a:lumMod val="75000"/>
+                  </a:schemeClr>
+                </a:gs>
+                <a:gs pos="100000">
+                  <a:schemeClr val="bg2">
+                    <a:lumMod val="50000"/>
+                  </a:schemeClr>
+                </a:gs>
+              </a:gsLst>
+              <a:lin ang="5400000" scaled="1"/>
+            </a:gradFill>
+            <a:prstDash val="solid"/>
+            <a:round/>
+            <a:headEnd type="none" w="med" len="med"/>
+            <a:tailEnd type="none" w="med" len="med"/>
+          </a:ln>
+        </p:spPr>
+        <p:style>
+          <a:lnRef idx="0">
+            <a:scrgbClr r="0" g="0" b="0"/>
+          </a:lnRef>
+          <a:fillRef idx="0">
+            <a:scrgbClr r="0" g="0" b="0"/>
+          </a:fillRef>
+          <a:effectRef idx="0">
+            <a:scrgbClr r="0" g="0" b="0"/>
+          </a:effectRef>
+          <a:fontRef idx="minor">
+            <a:schemeClr val="tx1"/>
+          </a:fontRef>
+        </p:style>
+      </p:cxnSp>
+      <p:cxnSp>
+        <p:nvCxnSpPr>
+          <p:cNvPr id="142" name="Connettore 1 141">
+            <a:extLst>
+              <a:ext uri="{FF2B5EF4-FFF2-40B4-BE49-F238E27FC236}">
+                <a16:creationId xmlns:a16="http://schemas.microsoft.com/office/drawing/2014/main" id="{5EDA43B5-0D31-D223-4753-5D7118503E4F}"/>
+              </a:ext>
+            </a:extLst>
+          </p:cNvPr>
+          <p:cNvCxnSpPr>
+            <a:cxnSpLocks/>
+            <a:endCxn id="118" idx="6"/>
+          </p:cNvCxnSpPr>
+          <p:nvPr/>
+        </p:nvCxnSpPr>
+        <p:spPr>
+          <a:xfrm flipH="1">
+            <a:off x="7380731" y="3542500"/>
+            <a:ext cx="259637" cy="0"/>
+          </a:xfrm>
+          <a:prstGeom prst="line">
+            <a:avLst/>
+          </a:prstGeom>
+          <a:noFill/>
+          <a:ln w="28575" cap="flat" cmpd="sng" algn="ctr">
+            <a:gradFill>
+              <a:gsLst>
+                <a:gs pos="0">
+                  <a:schemeClr val="bg1"/>
+                </a:gs>
+                <a:gs pos="74000">
+                  <a:schemeClr val="bg2">
+                    <a:lumMod val="90000"/>
+                  </a:schemeClr>
+                </a:gs>
+                <a:gs pos="83000">
+                  <a:schemeClr val="bg2">
+                    <a:lumMod val="75000"/>
+                  </a:schemeClr>
+                </a:gs>
+                <a:gs pos="100000">
+                  <a:schemeClr val="bg2">
+                    <a:lumMod val="50000"/>
+                  </a:schemeClr>
+                </a:gs>
+              </a:gsLst>
+              <a:lin ang="5400000" scaled="1"/>
+            </a:gradFill>
+            <a:prstDash val="solid"/>
+            <a:round/>
+            <a:headEnd type="none" w="med" len="med"/>
+            <a:tailEnd type="none" w="med" len="med"/>
+          </a:ln>
+        </p:spPr>
+        <p:style>
+          <a:lnRef idx="0">
+            <a:scrgbClr r="0" g="0" b="0"/>
+          </a:lnRef>
+          <a:fillRef idx="0">
+            <a:scrgbClr r="0" g="0" b="0"/>
+          </a:fillRef>
+          <a:effectRef idx="0">
+            <a:scrgbClr r="0" g="0" b="0"/>
+          </a:effectRef>
+          <a:fontRef idx="minor">
+            <a:schemeClr val="tx1"/>
+          </a:fontRef>
+        </p:style>
+      </p:cxnSp>
+      <p:cxnSp>
+        <p:nvCxnSpPr>
+          <p:cNvPr id="143" name="Connettore 1 142">
+            <a:extLst>
+              <a:ext uri="{FF2B5EF4-FFF2-40B4-BE49-F238E27FC236}">
+                <a16:creationId xmlns:a16="http://schemas.microsoft.com/office/drawing/2014/main" id="{CAAC004B-580B-8620-2EDC-CA2930B26160}"/>
+              </a:ext>
+            </a:extLst>
+          </p:cNvPr>
+          <p:cNvCxnSpPr>
+            <a:cxnSpLocks/>
+            <a:stCxn id="119" idx="6"/>
+          </p:cNvCxnSpPr>
+          <p:nvPr/>
+        </p:nvCxnSpPr>
+        <p:spPr>
+          <a:xfrm>
+            <a:off x="7378501" y="4166605"/>
+            <a:ext cx="304231" cy="0"/>
+          </a:xfrm>
+          <a:prstGeom prst="line">
+            <a:avLst/>
+          </a:prstGeom>
+          <a:noFill/>
+          <a:ln w="28575" cap="flat" cmpd="sng" algn="ctr">
+            <a:gradFill>
+              <a:gsLst>
+                <a:gs pos="0">
+                  <a:schemeClr val="bg1"/>
+                </a:gs>
+                <a:gs pos="74000">
+                  <a:schemeClr val="bg2">
+                    <a:lumMod val="90000"/>
+                  </a:schemeClr>
+                </a:gs>
+                <a:gs pos="83000">
+                  <a:schemeClr val="bg2">
+                    <a:lumMod val="75000"/>
+                  </a:schemeClr>
+                </a:gs>
+                <a:gs pos="100000">
+                  <a:schemeClr val="bg2">
+                    <a:lumMod val="50000"/>
+                  </a:schemeClr>
+                </a:gs>
+              </a:gsLst>
+              <a:lin ang="5400000" scaled="1"/>
+            </a:gradFill>
+            <a:prstDash val="solid"/>
+            <a:round/>
+            <a:headEnd type="none" w="med" len="med"/>
+            <a:tailEnd type="none" w="med" len="med"/>
+          </a:ln>
+        </p:spPr>
+        <p:style>
+          <a:lnRef idx="0">
+            <a:scrgbClr r="0" g="0" b="0"/>
+          </a:lnRef>
+          <a:fillRef idx="0">
+            <a:scrgbClr r="0" g="0" b="0"/>
+          </a:fillRef>
+          <a:effectRef idx="0">
+            <a:scrgbClr r="0" g="0" b="0"/>
+          </a:effectRef>
+          <a:fontRef idx="minor">
+            <a:schemeClr val="tx1"/>
+          </a:fontRef>
+        </p:style>
+      </p:cxnSp>
+      <p:cxnSp>
+        <p:nvCxnSpPr>
+          <p:cNvPr id="144" name="Connettore 1 143">
+            <a:extLst>
+              <a:ext uri="{FF2B5EF4-FFF2-40B4-BE49-F238E27FC236}">
+                <a16:creationId xmlns:a16="http://schemas.microsoft.com/office/drawing/2014/main" id="{9A6502D6-D5FB-31CE-5257-CBE824D38DA6}"/>
+              </a:ext>
+            </a:extLst>
+          </p:cNvPr>
+          <p:cNvCxnSpPr>
+            <a:cxnSpLocks/>
+            <a:endCxn id="120" idx="6"/>
+          </p:cNvCxnSpPr>
+          <p:nvPr/>
+        </p:nvCxnSpPr>
+        <p:spPr>
+          <a:xfrm flipH="1">
+            <a:off x="7378501" y="4833670"/>
+            <a:ext cx="304231" cy="1"/>
+          </a:xfrm>
+          <a:prstGeom prst="line">
+            <a:avLst/>
+          </a:prstGeom>
+          <a:noFill/>
+          <a:ln w="28575" cap="flat" cmpd="sng" algn="ctr">
+            <a:gradFill>
+              <a:gsLst>
+                <a:gs pos="0">
+                  <a:schemeClr val="bg1"/>
+                </a:gs>
+                <a:gs pos="74000">
+                  <a:schemeClr val="bg2">
+                    <a:lumMod val="90000"/>
+                  </a:schemeClr>
+                </a:gs>
+                <a:gs pos="83000">
+                  <a:schemeClr val="bg2">
+                    <a:lumMod val="75000"/>
+                  </a:schemeClr>
+                </a:gs>
+                <a:gs pos="100000">
+                  <a:schemeClr val="bg2">
+                    <a:lumMod val="50000"/>
+                  </a:schemeClr>
+                </a:gs>
+              </a:gsLst>
+              <a:lin ang="5400000" scaled="1"/>
+            </a:gradFill>
+            <a:prstDash val="solid"/>
+            <a:round/>
+            <a:headEnd type="none" w="med" len="med"/>
+            <a:tailEnd type="none" w="med" len="med"/>
+          </a:ln>
+        </p:spPr>
+        <p:style>
+          <a:lnRef idx="0">
+            <a:scrgbClr r="0" g="0" b="0"/>
+          </a:lnRef>
+          <a:fillRef idx="0">
+            <a:scrgbClr r="0" g="0" b="0"/>
+          </a:fillRef>
+          <a:effectRef idx="0">
+            <a:scrgbClr r="0" g="0" b="0"/>
+          </a:effectRef>
+          <a:fontRef idx="minor">
+            <a:schemeClr val="tx1"/>
+          </a:fontRef>
+        </p:style>
+      </p:cxnSp>
+      <p:cxnSp>
+        <p:nvCxnSpPr>
+          <p:cNvPr id="145" name="Connettore 1 144">
+            <a:extLst>
+              <a:ext uri="{FF2B5EF4-FFF2-40B4-BE49-F238E27FC236}">
+                <a16:creationId xmlns:a16="http://schemas.microsoft.com/office/drawing/2014/main" id="{8EA8B261-79DA-C0A9-E152-761173F6B8D3}"/>
+              </a:ext>
+            </a:extLst>
+          </p:cNvPr>
+          <p:cNvCxnSpPr>
+            <a:cxnSpLocks/>
+            <a:stCxn id="121" idx="6"/>
+          </p:cNvCxnSpPr>
+          <p:nvPr/>
+        </p:nvCxnSpPr>
+        <p:spPr>
+          <a:xfrm flipV="1">
+            <a:off x="7376192" y="5443681"/>
+            <a:ext cx="306540" cy="4447"/>
+          </a:xfrm>
+          <a:prstGeom prst="line">
+            <a:avLst/>
+          </a:prstGeom>
+          <a:noFill/>
+          <a:ln w="28575" cap="flat" cmpd="sng" algn="ctr">
+            <a:gradFill>
+              <a:gsLst>
+                <a:gs pos="0">
+                  <a:schemeClr val="bg1"/>
+                </a:gs>
+                <a:gs pos="74000">
+                  <a:schemeClr val="bg2">
+                    <a:lumMod val="90000"/>
+                  </a:schemeClr>
+                </a:gs>
+                <a:gs pos="83000">
+                  <a:schemeClr val="bg2">
+                    <a:lumMod val="75000"/>
+                  </a:schemeClr>
+                </a:gs>
+                <a:gs pos="100000">
+                  <a:schemeClr val="bg2">
+                    <a:lumMod val="50000"/>
+                  </a:schemeClr>
+                </a:gs>
+              </a:gsLst>
+              <a:lin ang="5400000" scaled="1"/>
+            </a:gradFill>
+            <a:prstDash val="solid"/>
+            <a:round/>
+            <a:headEnd type="none" w="med" len="med"/>
+            <a:tailEnd type="none" w="med" len="med"/>
+          </a:ln>
+        </p:spPr>
+        <p:style>
+          <a:lnRef idx="0">
+            <a:scrgbClr r="0" g="0" b="0"/>
+          </a:lnRef>
+          <a:fillRef idx="0">
+            <a:scrgbClr r="0" g="0" b="0"/>
+          </a:fillRef>
+          <a:effectRef idx="0">
+            <a:scrgbClr r="0" g="0" b="0"/>
+          </a:effectRef>
+          <a:fontRef idx="minor">
+            <a:schemeClr val="tx1"/>
+          </a:fontRef>
+        </p:style>
+      </p:cxnSp>
+      <p:sp>
+        <p:nvSpPr>
+          <p:cNvPr id="177" name="Rettangolo con angoli arrotondati 176">
+            <a:extLst>
+              <a:ext uri="{FF2B5EF4-FFF2-40B4-BE49-F238E27FC236}">
+                <a16:creationId xmlns:a16="http://schemas.microsoft.com/office/drawing/2014/main" id="{3B330285-714D-3008-36AF-4BB3D122559D}"/>
+              </a:ext>
+            </a:extLst>
+          </p:cNvPr>
+          <p:cNvSpPr/>
+          <p:nvPr/>
+        </p:nvSpPr>
+        <p:spPr>
+          <a:xfrm>
+            <a:off x="4214191" y="1782162"/>
+            <a:ext cx="4880585" cy="4213904"/>
+          </a:xfrm>
+          <a:prstGeom prst="roundRect">
+            <a:avLst/>
+          </a:prstGeom>
+          <a:noFill/>
+          <a:ln w="28575" cap="flat" cmpd="sng" algn="ctr">
+            <a:solidFill>
+              <a:schemeClr val="accent5"/>
+            </a:solidFill>
+            <a:prstDash val="solid"/>
+            <a:round/>
+            <a:headEnd type="none" w="med" len="med"/>
+            <a:tailEnd type="none" w="med" len="med"/>
+          </a:ln>
+        </p:spPr>
+        <p:style>
+          <a:lnRef idx="0">
+            <a:scrgbClr r="0" g="0" b="0"/>
+          </a:lnRef>
+          <a:fillRef idx="0">
+            <a:scrgbClr r="0" g="0" b="0"/>
+          </a:fillRef>
+          <a:effectRef idx="0">
+            <a:scrgbClr r="0" g="0" b="0"/>
+          </a:effectRef>
+          <a:fontRef idx="minor">
+            <a:schemeClr val="accent1"/>
+          </a:fontRef>
+        </p:style>
+        <p:txBody>
+          <a:bodyPr rtlCol="0" anchor="ctr"/>
           <a:lstStyle/>
           <a:p>
-            <a:r>
-              <a:rPr lang="en-US" sz="3200" dirty="0"/>
-              <a:t>RS/K-RSB – SK model</a:t>
-            </a:r>
-          </a:p>
-        </p:txBody>
-      </p:sp>
+            <a:pPr algn="ctr"/>
+            <a:endParaRPr lang="en-US"/>
+          </a:p>
+        </p:txBody>
+      </p:sp>
+      <p:cxnSp>
+        <p:nvCxnSpPr>
+          <p:cNvPr id="179" name="Connettore 1 178">
+            <a:extLst>
+              <a:ext uri="{FF2B5EF4-FFF2-40B4-BE49-F238E27FC236}">
+                <a16:creationId xmlns:a16="http://schemas.microsoft.com/office/drawing/2014/main" id="{B94DA68A-D763-95C9-D792-3B5F25A4D7BE}"/>
+              </a:ext>
+            </a:extLst>
+          </p:cNvPr>
+          <p:cNvCxnSpPr>
+            <a:cxnSpLocks/>
+            <a:endCxn id="67" idx="1"/>
+          </p:cNvCxnSpPr>
+          <p:nvPr/>
+        </p:nvCxnSpPr>
+        <p:spPr>
+          <a:xfrm>
+            <a:off x="9094776" y="5021557"/>
+            <a:ext cx="429689" cy="0"/>
+          </a:xfrm>
+          <a:prstGeom prst="line">
+            <a:avLst/>
+          </a:prstGeom>
+          <a:ln w="28575">
+            <a:solidFill>
+              <a:schemeClr val="accent5"/>
+            </a:solidFill>
+          </a:ln>
+        </p:spPr>
+        <p:style>
+          <a:lnRef idx="1">
+            <a:schemeClr val="accent1"/>
+          </a:lnRef>
+          <a:fillRef idx="0">
+            <a:schemeClr val="accent1"/>
+          </a:fillRef>
+          <a:effectRef idx="0">
+            <a:schemeClr val="accent1"/>
+          </a:effectRef>
+          <a:fontRef idx="minor">
+            <a:schemeClr val="tx1"/>
+          </a:fontRef>
+        </p:style>
+      </p:cxnSp>
     </p:spTree>
     <p:extLst>
       <p:ext uri="{BB962C8B-B14F-4D97-AF65-F5344CB8AC3E}">

--- a/results/tex/img/SK_arch.pptx
+++ b/results/tex/img/SK_arch.pptx
@@ -104,6 +104,11 @@
       </a:defRPr>
     </a:lvl9pPr>
   </p:defaultTextStyle>
+  <p:extLst>
+    <p:ext uri="{EFAFB233-063F-42B5-8137-9DF3F51BA10A}">
+      <p15:sldGuideLst xmlns:p15="http://schemas.microsoft.com/office/powerpoint/2012/main"/>
+    </p:ext>
+  </p:extLst>
 </p:presentation>
 </file>
 
@@ -256,7 +261,7 @@
           <a:p>
             <a:fld id="{D1229509-4845-9844-B99B-DDD619D68227}" type="datetimeFigureOut">
               <a:rPr lang="en-US" smtClean="0"/>
-              <a:t>2/6/23</a:t>
+              <a:t>2/10/23</a:t>
             </a:fld>
             <a:endParaRPr lang="en-US"/>
           </a:p>
@@ -456,7 +461,7 @@
           <a:p>
             <a:fld id="{D1229509-4845-9844-B99B-DDD619D68227}" type="datetimeFigureOut">
               <a:rPr lang="en-US" smtClean="0"/>
-              <a:t>2/6/23</a:t>
+              <a:t>2/10/23</a:t>
             </a:fld>
             <a:endParaRPr lang="en-US"/>
           </a:p>
@@ -666,7 +671,7 @@
           <a:p>
             <a:fld id="{D1229509-4845-9844-B99B-DDD619D68227}" type="datetimeFigureOut">
               <a:rPr lang="en-US" smtClean="0"/>
-              <a:t>2/6/23</a:t>
+              <a:t>2/10/23</a:t>
             </a:fld>
             <a:endParaRPr lang="en-US"/>
           </a:p>
@@ -866,7 +871,7 @@
           <a:p>
             <a:fld id="{D1229509-4845-9844-B99B-DDD619D68227}" type="datetimeFigureOut">
               <a:rPr lang="en-US" smtClean="0"/>
-              <a:t>2/6/23</a:t>
+              <a:t>2/10/23</a:t>
             </a:fld>
             <a:endParaRPr lang="en-US"/>
           </a:p>
@@ -1142,7 +1147,7 @@
           <a:p>
             <a:fld id="{D1229509-4845-9844-B99B-DDD619D68227}" type="datetimeFigureOut">
               <a:rPr lang="en-US" smtClean="0"/>
-              <a:t>2/6/23</a:t>
+              <a:t>2/10/23</a:t>
             </a:fld>
             <a:endParaRPr lang="en-US"/>
           </a:p>
@@ -1410,7 +1415,7 @@
           <a:p>
             <a:fld id="{D1229509-4845-9844-B99B-DDD619D68227}" type="datetimeFigureOut">
               <a:rPr lang="en-US" smtClean="0"/>
-              <a:t>2/6/23</a:t>
+              <a:t>2/10/23</a:t>
             </a:fld>
             <a:endParaRPr lang="en-US"/>
           </a:p>
@@ -1825,7 +1830,7 @@
           <a:p>
             <a:fld id="{D1229509-4845-9844-B99B-DDD619D68227}" type="datetimeFigureOut">
               <a:rPr lang="en-US" smtClean="0"/>
-              <a:t>2/6/23</a:t>
+              <a:t>2/10/23</a:t>
             </a:fld>
             <a:endParaRPr lang="en-US"/>
           </a:p>
@@ -1967,7 +1972,7 @@
           <a:p>
             <a:fld id="{D1229509-4845-9844-B99B-DDD619D68227}" type="datetimeFigureOut">
               <a:rPr lang="en-US" smtClean="0"/>
-              <a:t>2/6/23</a:t>
+              <a:t>2/10/23</a:t>
             </a:fld>
             <a:endParaRPr lang="en-US"/>
           </a:p>
@@ -2080,7 +2085,7 @@
           <a:p>
             <a:fld id="{D1229509-4845-9844-B99B-DDD619D68227}" type="datetimeFigureOut">
               <a:rPr lang="en-US" smtClean="0"/>
-              <a:t>2/6/23</a:t>
+              <a:t>2/10/23</a:t>
             </a:fld>
             <a:endParaRPr lang="en-US"/>
           </a:p>
@@ -2393,7 +2398,7 @@
           <a:p>
             <a:fld id="{D1229509-4845-9844-B99B-DDD619D68227}" type="datetimeFigureOut">
               <a:rPr lang="en-US" smtClean="0"/>
-              <a:t>2/6/23</a:t>
+              <a:t>2/10/23</a:t>
             </a:fld>
             <a:endParaRPr lang="en-US"/>
           </a:p>
@@ -2682,7 +2687,7 @@
           <a:p>
             <a:fld id="{D1229509-4845-9844-B99B-DDD619D68227}" type="datetimeFigureOut">
               <a:rPr lang="en-US" smtClean="0"/>
-              <a:t>2/6/23</a:t>
+              <a:t>2/10/23</a:t>
             </a:fld>
             <a:endParaRPr lang="en-US"/>
           </a:p>
@@ -2925,7 +2930,7 @@
           <a:p>
             <a:fld id="{D1229509-4845-9844-B99B-DDD619D68227}" type="datetimeFigureOut">
               <a:rPr lang="en-US" smtClean="0"/>
-              <a:t>2/6/23</a:t>
+              <a:t>2/10/23</a:t>
             </a:fld>
             <a:endParaRPr lang="en-US"/>
           </a:p>
@@ -6767,8 +6772,8 @@
           </a:fontRef>
         </p:style>
       </p:cxnSp>
-      <mc:AlternateContent xmlns:mc="http://schemas.openxmlformats.org/markup-compatibility/2006">
-        <mc:Choice xmlns:a14="http://schemas.microsoft.com/office/drawing/2010/main" Requires="a14">
+      <mc:AlternateContent xmlns:mc="http://schemas.openxmlformats.org/markup-compatibility/2006" xmlns:a14="http://schemas.microsoft.com/office/drawing/2010/main">
+        <mc:Choice Requires="a14">
           <p:sp>
             <p:nvSpPr>
               <p:cNvPr id="67" name="CasellaDiTesto 66">
@@ -6867,6 +6872,7 @@
                 </a:endParaRPr>
               </a:p>
               <a:p>
+                <a:pPr/>
                 <a14:m>
                   <m:oMathPara xmlns:m="http://schemas.openxmlformats.org/officeDocument/2006/math">
                     <m:oMathParaPr>
@@ -7030,7 +7036,7 @@
             </p:txBody>
           </p:sp>
         </mc:Choice>
-        <mc:Fallback>
+        <mc:Fallback xmlns="">
           <p:sp>
             <p:nvSpPr>
               <p:cNvPr id="67" name="CasellaDiTesto 66">
@@ -7100,7 +7106,9 @@
                 <a:ext cx="673274" cy="675655"/>
               </a:xfrm>
               <a:prstGeom prst="roundRect">
-                <a:avLst/>
+                <a:avLst>
+                  <a:gd name="adj" fmla="val 50000"/>
+                </a:avLst>
               </a:prstGeom>
               <a:noFill/>
               <a:ln w="28575" cap="flat" cmpd="sng" algn="ctr">
@@ -7216,7 +7224,9 @@
                 <a:ext cx="673274" cy="675655"/>
               </a:xfrm>
               <a:prstGeom prst="roundRect">
-                <a:avLst/>
+                <a:avLst>
+                  <a:gd name="adj" fmla="val 50000"/>
+                </a:avLst>
               </a:prstGeom>
               <a:blipFill>
                 <a:blip r:embed="rId3"/>
@@ -7269,7 +7279,9 @@
                 <a:ext cx="673274" cy="675655"/>
               </a:xfrm>
               <a:prstGeom prst="roundRect">
-                <a:avLst/>
+                <a:avLst>
+                  <a:gd name="adj" fmla="val 50000"/>
+                </a:avLst>
               </a:prstGeom>
               <a:noFill/>
               <a:ln w="28575" cap="flat" cmpd="sng" algn="ctr">
@@ -7412,7 +7424,9 @@
                 <a:ext cx="673274" cy="675655"/>
               </a:xfrm>
               <a:prstGeom prst="roundRect">
-                <a:avLst/>
+                <a:avLst>
+                  <a:gd name="adj" fmla="val 50000"/>
+                </a:avLst>
               </a:prstGeom>
               <a:blipFill>
                 <a:blip r:embed="rId4"/>
@@ -7465,7 +7479,9 @@
                 <a:ext cx="673274" cy="675655"/>
               </a:xfrm>
               <a:prstGeom prst="roundRect">
-                <a:avLst/>
+                <a:avLst>
+                  <a:gd name="adj" fmla="val 50000"/>
+                </a:avLst>
               </a:prstGeom>
               <a:noFill/>
               <a:ln w="28575" cap="flat" cmpd="sng" algn="ctr">
@@ -7608,7 +7624,9 @@
                 <a:ext cx="673274" cy="675655"/>
               </a:xfrm>
               <a:prstGeom prst="roundRect">
-                <a:avLst/>
+                <a:avLst>
+                  <a:gd name="adj" fmla="val 50000"/>
+                </a:avLst>
               </a:prstGeom>
               <a:blipFill>
                 <a:blip r:embed="rId5"/>
@@ -7661,7 +7679,9 @@
                 <a:ext cx="673274" cy="675655"/>
               </a:xfrm>
               <a:prstGeom prst="roundRect">
-                <a:avLst/>
+                <a:avLst>
+                  <a:gd name="adj" fmla="val 50000"/>
+                </a:avLst>
               </a:prstGeom>
               <a:noFill/>
               <a:ln w="28575" cap="flat" cmpd="sng" algn="ctr">
@@ -7795,7 +7815,9 @@
                 <a:ext cx="673274" cy="675655"/>
               </a:xfrm>
               <a:prstGeom prst="roundRect">
-                <a:avLst/>
+                <a:avLst>
+                  <a:gd name="adj" fmla="val 50000"/>
+                </a:avLst>
               </a:prstGeom>
               <a:blipFill>
                 <a:blip r:embed="rId6"/>
